--- a/Módulo 3/Modulo 3.pptx
+++ b/Módulo 3/Modulo 3.pptx
@@ -218,7 +218,7 @@
           <a:p>
             <a:fld id="{DB154752-B584-4DB5-9C3E-32FFD2BC3FA3}" type="datetimeFigureOut">
               <a:rPr lang="pt-BR" smtClean="0"/>
-              <a:t>11/04/2019</a:t>
+              <a:t>16/04/2019</a:t>
             </a:fld>
             <a:endParaRPr lang="pt-BR"/>
           </a:p>
@@ -763,7 +763,7 @@
           <a:p>
             <a:fld id="{05D07FE6-D4F0-43B8-8724-69D32D78BC5B}" type="datetimeFigureOut">
               <a:rPr lang="pt-BR" smtClean="0"/>
-              <a:t>11/04/2019</a:t>
+              <a:t>16/04/2019</a:t>
             </a:fld>
             <a:endParaRPr lang="pt-BR"/>
           </a:p>
@@ -1028,7 +1028,7 @@
           <a:p>
             <a:fld id="{05D07FE6-D4F0-43B8-8724-69D32D78BC5B}" type="datetimeFigureOut">
               <a:rPr lang="pt-BR" smtClean="0"/>
-              <a:t>11/04/2019</a:t>
+              <a:t>16/04/2019</a:t>
             </a:fld>
             <a:endParaRPr lang="pt-BR"/>
           </a:p>
@@ -1203,7 +1203,7 @@
           <a:p>
             <a:fld id="{05D07FE6-D4F0-43B8-8724-69D32D78BC5B}" type="datetimeFigureOut">
               <a:rPr lang="pt-BR" smtClean="0"/>
-              <a:t>11/04/2019</a:t>
+              <a:t>16/04/2019</a:t>
             </a:fld>
             <a:endParaRPr lang="pt-BR"/>
           </a:p>
@@ -1368,7 +1368,7 @@
           <a:p>
             <a:fld id="{05D07FE6-D4F0-43B8-8724-69D32D78BC5B}" type="datetimeFigureOut">
               <a:rPr lang="pt-BR" smtClean="0"/>
-              <a:t>11/04/2019</a:t>
+              <a:t>16/04/2019</a:t>
             </a:fld>
             <a:endParaRPr lang="pt-BR"/>
           </a:p>
@@ -1617,7 +1617,7 @@
           <a:p>
             <a:fld id="{05D07FE6-D4F0-43B8-8724-69D32D78BC5B}" type="datetimeFigureOut">
               <a:rPr lang="pt-BR" smtClean="0"/>
-              <a:t>11/04/2019</a:t>
+              <a:t>16/04/2019</a:t>
             </a:fld>
             <a:endParaRPr lang="pt-BR"/>
           </a:p>
@@ -1900,7 +1900,7 @@
           <a:p>
             <a:fld id="{05D07FE6-D4F0-43B8-8724-69D32D78BC5B}" type="datetimeFigureOut">
               <a:rPr lang="pt-BR" smtClean="0"/>
-              <a:t>11/04/2019</a:t>
+              <a:t>16/04/2019</a:t>
             </a:fld>
             <a:endParaRPr lang="pt-BR"/>
           </a:p>
@@ -2339,7 +2339,7 @@
           <a:p>
             <a:fld id="{05D07FE6-D4F0-43B8-8724-69D32D78BC5B}" type="datetimeFigureOut">
               <a:rPr lang="pt-BR" smtClean="0"/>
-              <a:t>11/04/2019</a:t>
+              <a:t>16/04/2019</a:t>
             </a:fld>
             <a:endParaRPr lang="pt-BR"/>
           </a:p>
@@ -2452,7 +2452,7 @@
           <a:p>
             <a:fld id="{05D07FE6-D4F0-43B8-8724-69D32D78BC5B}" type="datetimeFigureOut">
               <a:rPr lang="pt-BR" smtClean="0"/>
-              <a:t>11/04/2019</a:t>
+              <a:t>16/04/2019</a:t>
             </a:fld>
             <a:endParaRPr lang="pt-BR"/>
           </a:p>
@@ -2542,7 +2542,7 @@
           <a:p>
             <a:fld id="{05D07FE6-D4F0-43B8-8724-69D32D78BC5B}" type="datetimeFigureOut">
               <a:rPr lang="pt-BR" smtClean="0"/>
-              <a:t>11/04/2019</a:t>
+              <a:t>16/04/2019</a:t>
             </a:fld>
             <a:endParaRPr lang="pt-BR"/>
           </a:p>
@@ -2784,7 +2784,7 @@
           <a:p>
             <a:fld id="{05D07FE6-D4F0-43B8-8724-69D32D78BC5B}" type="datetimeFigureOut">
               <a:rPr lang="pt-BR" smtClean="0"/>
-              <a:t>11/04/2019</a:t>
+              <a:t>16/04/2019</a:t>
             </a:fld>
             <a:endParaRPr lang="pt-BR"/>
           </a:p>
@@ -3078,7 +3078,7 @@
           <a:p>
             <a:fld id="{05D07FE6-D4F0-43B8-8724-69D32D78BC5B}" type="datetimeFigureOut">
               <a:rPr lang="pt-BR" smtClean="0"/>
-              <a:t>11/04/2019</a:t>
+              <a:t>16/04/2019</a:t>
             </a:fld>
             <a:endParaRPr lang="pt-BR"/>
           </a:p>
@@ -3372,7 +3372,7 @@
           <a:p>
             <a:fld id="{05D07FE6-D4F0-43B8-8724-69D32D78BC5B}" type="datetimeFigureOut">
               <a:rPr lang="pt-BR" smtClean="0"/>
-              <a:t>11/04/2019</a:t>
+              <a:t>16/04/2019</a:t>
             </a:fld>
             <a:endParaRPr lang="pt-BR"/>
           </a:p>
@@ -11257,7 +11257,7 @@
         </p:blipFill>
         <p:spPr bwMode="auto">
           <a:xfrm>
-            <a:off x="395536" y="1916832"/>
+            <a:off x="395536" y="1895223"/>
             <a:ext cx="7851008" cy="3838033"/>
           </a:xfrm>
           <a:prstGeom prst="rect">
@@ -11329,6 +11329,14 @@
   <p:clrMapOvr>
     <a:masterClrMapping/>
   </p:clrMapOvr>
+  <mc:AlternateContent xmlns:mc="http://schemas.openxmlformats.org/markup-compatibility/2006">
+    <mc:Choice xmlns:p14="http://schemas.microsoft.com/office/powerpoint/2010/main" Requires="p14">
+      <p:transition p14:dur="0"/>
+    </mc:Choice>
+    <mc:Fallback>
+      <p:transition/>
+    </mc:Fallback>
+  </mc:AlternateContent>
   <p:timing>
     <p:tnLst>
       <p:par>

--- a/Módulo 3/Modulo 3.pptx
+++ b/Módulo 3/Modulo 3.pptx
@@ -218,7 +218,7 @@
           <a:p>
             <a:fld id="{DB154752-B584-4DB5-9C3E-32FFD2BC3FA3}" type="datetimeFigureOut">
               <a:rPr lang="pt-BR" smtClean="0"/>
-              <a:t>16/04/2019</a:t>
+              <a:t>18/04/2019</a:t>
             </a:fld>
             <a:endParaRPr lang="pt-BR"/>
           </a:p>
@@ -763,7 +763,7 @@
           <a:p>
             <a:fld id="{05D07FE6-D4F0-43B8-8724-69D32D78BC5B}" type="datetimeFigureOut">
               <a:rPr lang="pt-BR" smtClean="0"/>
-              <a:t>16/04/2019</a:t>
+              <a:t>18/04/2019</a:t>
             </a:fld>
             <a:endParaRPr lang="pt-BR"/>
           </a:p>
@@ -1028,7 +1028,7 @@
           <a:p>
             <a:fld id="{05D07FE6-D4F0-43B8-8724-69D32D78BC5B}" type="datetimeFigureOut">
               <a:rPr lang="pt-BR" smtClean="0"/>
-              <a:t>16/04/2019</a:t>
+              <a:t>18/04/2019</a:t>
             </a:fld>
             <a:endParaRPr lang="pt-BR"/>
           </a:p>
@@ -1203,7 +1203,7 @@
           <a:p>
             <a:fld id="{05D07FE6-D4F0-43B8-8724-69D32D78BC5B}" type="datetimeFigureOut">
               <a:rPr lang="pt-BR" smtClean="0"/>
-              <a:t>16/04/2019</a:t>
+              <a:t>18/04/2019</a:t>
             </a:fld>
             <a:endParaRPr lang="pt-BR"/>
           </a:p>
@@ -1368,7 +1368,7 @@
           <a:p>
             <a:fld id="{05D07FE6-D4F0-43B8-8724-69D32D78BC5B}" type="datetimeFigureOut">
               <a:rPr lang="pt-BR" smtClean="0"/>
-              <a:t>16/04/2019</a:t>
+              <a:t>18/04/2019</a:t>
             </a:fld>
             <a:endParaRPr lang="pt-BR"/>
           </a:p>
@@ -1617,7 +1617,7 @@
           <a:p>
             <a:fld id="{05D07FE6-D4F0-43B8-8724-69D32D78BC5B}" type="datetimeFigureOut">
               <a:rPr lang="pt-BR" smtClean="0"/>
-              <a:t>16/04/2019</a:t>
+              <a:t>18/04/2019</a:t>
             </a:fld>
             <a:endParaRPr lang="pt-BR"/>
           </a:p>
@@ -1900,7 +1900,7 @@
           <a:p>
             <a:fld id="{05D07FE6-D4F0-43B8-8724-69D32D78BC5B}" type="datetimeFigureOut">
               <a:rPr lang="pt-BR" smtClean="0"/>
-              <a:t>16/04/2019</a:t>
+              <a:t>18/04/2019</a:t>
             </a:fld>
             <a:endParaRPr lang="pt-BR"/>
           </a:p>
@@ -2339,7 +2339,7 @@
           <a:p>
             <a:fld id="{05D07FE6-D4F0-43B8-8724-69D32D78BC5B}" type="datetimeFigureOut">
               <a:rPr lang="pt-BR" smtClean="0"/>
-              <a:t>16/04/2019</a:t>
+              <a:t>18/04/2019</a:t>
             </a:fld>
             <a:endParaRPr lang="pt-BR"/>
           </a:p>
@@ -2452,7 +2452,7 @@
           <a:p>
             <a:fld id="{05D07FE6-D4F0-43B8-8724-69D32D78BC5B}" type="datetimeFigureOut">
               <a:rPr lang="pt-BR" smtClean="0"/>
-              <a:t>16/04/2019</a:t>
+              <a:t>18/04/2019</a:t>
             </a:fld>
             <a:endParaRPr lang="pt-BR"/>
           </a:p>
@@ -2542,7 +2542,7 @@
           <a:p>
             <a:fld id="{05D07FE6-D4F0-43B8-8724-69D32D78BC5B}" type="datetimeFigureOut">
               <a:rPr lang="pt-BR" smtClean="0"/>
-              <a:t>16/04/2019</a:t>
+              <a:t>18/04/2019</a:t>
             </a:fld>
             <a:endParaRPr lang="pt-BR"/>
           </a:p>
@@ -2784,7 +2784,7 @@
           <a:p>
             <a:fld id="{05D07FE6-D4F0-43B8-8724-69D32D78BC5B}" type="datetimeFigureOut">
               <a:rPr lang="pt-BR" smtClean="0"/>
-              <a:t>16/04/2019</a:t>
+              <a:t>18/04/2019</a:t>
             </a:fld>
             <a:endParaRPr lang="pt-BR"/>
           </a:p>
@@ -3078,7 +3078,7 @@
           <a:p>
             <a:fld id="{05D07FE6-D4F0-43B8-8724-69D32D78BC5B}" type="datetimeFigureOut">
               <a:rPr lang="pt-BR" smtClean="0"/>
-              <a:t>16/04/2019</a:t>
+              <a:t>18/04/2019</a:t>
             </a:fld>
             <a:endParaRPr lang="pt-BR"/>
           </a:p>
@@ -3372,7 +3372,7 @@
           <a:p>
             <a:fld id="{05D07FE6-D4F0-43B8-8724-69D32D78BC5B}" type="datetimeFigureOut">
               <a:rPr lang="pt-BR" smtClean="0"/>
-              <a:t>16/04/2019</a:t>
+              <a:t>18/04/2019</a:t>
             </a:fld>
             <a:endParaRPr lang="pt-BR"/>
           </a:p>
@@ -9744,7 +9744,7 @@
           </p:cNvPicPr>
           <p:nvPr/>
         </p:nvPicPr>
-        <p:blipFill>
+        <p:blipFill rotWithShape="1">
           <a:blip r:embed="rId2">
             <a:extLst>
               <a:ext uri="{28A0092B-C50C-407E-A947-70E740481C1C}">
@@ -9752,15 +9752,13 @@
               </a:ext>
             </a:extLst>
           </a:blip>
-          <a:srcRect/>
-          <a:stretch>
-            <a:fillRect/>
-          </a:stretch>
+          <a:srcRect l="27495"/>
+          <a:stretch/>
         </p:blipFill>
         <p:spPr bwMode="auto">
           <a:xfrm>
-            <a:off x="-3420888" y="3762"/>
-            <a:ext cx="12441967" cy="6871372"/>
+            <a:off x="0" y="3762"/>
+            <a:ext cx="9021079" cy="6871372"/>
           </a:xfrm>
           <a:prstGeom prst="rect">
             <a:avLst/>
@@ -11329,11 +11327,11 @@
   <p:clrMapOvr>
     <a:masterClrMapping/>
   </p:clrMapOvr>
-  <mc:AlternateContent xmlns:mc="http://schemas.openxmlformats.org/markup-compatibility/2006">
-    <mc:Choice xmlns:p14="http://schemas.microsoft.com/office/powerpoint/2010/main" Requires="p14">
+  <mc:AlternateContent xmlns:mc="http://schemas.openxmlformats.org/markup-compatibility/2006" xmlns:p14="http://schemas.microsoft.com/office/powerpoint/2010/main">
+    <mc:Choice Requires="p14">
       <p:transition p14:dur="0"/>
     </mc:Choice>
-    <mc:Fallback>
+    <mc:Fallback xmlns="">
       <p:transition/>
     </mc:Fallback>
   </mc:AlternateContent>

--- a/Módulo 3/Modulo 3.pptx
+++ b/Módulo 3/Modulo 3.pptx
@@ -218,7 +218,7 @@
           <a:p>
             <a:fld id="{DB154752-B584-4DB5-9C3E-32FFD2BC3FA3}" type="datetimeFigureOut">
               <a:rPr lang="pt-BR" smtClean="0"/>
-              <a:t>18/04/2019</a:t>
+              <a:t>20/04/2019</a:t>
             </a:fld>
             <a:endParaRPr lang="pt-BR"/>
           </a:p>
@@ -763,7 +763,7 @@
           <a:p>
             <a:fld id="{05D07FE6-D4F0-43B8-8724-69D32D78BC5B}" type="datetimeFigureOut">
               <a:rPr lang="pt-BR" smtClean="0"/>
-              <a:t>18/04/2019</a:t>
+              <a:t>20/04/2019</a:t>
             </a:fld>
             <a:endParaRPr lang="pt-BR"/>
           </a:p>
@@ -1028,7 +1028,7 @@
           <a:p>
             <a:fld id="{05D07FE6-D4F0-43B8-8724-69D32D78BC5B}" type="datetimeFigureOut">
               <a:rPr lang="pt-BR" smtClean="0"/>
-              <a:t>18/04/2019</a:t>
+              <a:t>20/04/2019</a:t>
             </a:fld>
             <a:endParaRPr lang="pt-BR"/>
           </a:p>
@@ -1203,7 +1203,7 @@
           <a:p>
             <a:fld id="{05D07FE6-D4F0-43B8-8724-69D32D78BC5B}" type="datetimeFigureOut">
               <a:rPr lang="pt-BR" smtClean="0"/>
-              <a:t>18/04/2019</a:t>
+              <a:t>20/04/2019</a:t>
             </a:fld>
             <a:endParaRPr lang="pt-BR"/>
           </a:p>
@@ -1368,7 +1368,7 @@
           <a:p>
             <a:fld id="{05D07FE6-D4F0-43B8-8724-69D32D78BC5B}" type="datetimeFigureOut">
               <a:rPr lang="pt-BR" smtClean="0"/>
-              <a:t>18/04/2019</a:t>
+              <a:t>20/04/2019</a:t>
             </a:fld>
             <a:endParaRPr lang="pt-BR"/>
           </a:p>
@@ -1617,7 +1617,7 @@
           <a:p>
             <a:fld id="{05D07FE6-D4F0-43B8-8724-69D32D78BC5B}" type="datetimeFigureOut">
               <a:rPr lang="pt-BR" smtClean="0"/>
-              <a:t>18/04/2019</a:t>
+              <a:t>20/04/2019</a:t>
             </a:fld>
             <a:endParaRPr lang="pt-BR"/>
           </a:p>
@@ -1900,7 +1900,7 @@
           <a:p>
             <a:fld id="{05D07FE6-D4F0-43B8-8724-69D32D78BC5B}" type="datetimeFigureOut">
               <a:rPr lang="pt-BR" smtClean="0"/>
-              <a:t>18/04/2019</a:t>
+              <a:t>20/04/2019</a:t>
             </a:fld>
             <a:endParaRPr lang="pt-BR"/>
           </a:p>
@@ -2339,7 +2339,7 @@
           <a:p>
             <a:fld id="{05D07FE6-D4F0-43B8-8724-69D32D78BC5B}" type="datetimeFigureOut">
               <a:rPr lang="pt-BR" smtClean="0"/>
-              <a:t>18/04/2019</a:t>
+              <a:t>20/04/2019</a:t>
             </a:fld>
             <a:endParaRPr lang="pt-BR"/>
           </a:p>
@@ -2452,7 +2452,7 @@
           <a:p>
             <a:fld id="{05D07FE6-D4F0-43B8-8724-69D32D78BC5B}" type="datetimeFigureOut">
               <a:rPr lang="pt-BR" smtClean="0"/>
-              <a:t>18/04/2019</a:t>
+              <a:t>20/04/2019</a:t>
             </a:fld>
             <a:endParaRPr lang="pt-BR"/>
           </a:p>
@@ -2542,7 +2542,7 @@
           <a:p>
             <a:fld id="{05D07FE6-D4F0-43B8-8724-69D32D78BC5B}" type="datetimeFigureOut">
               <a:rPr lang="pt-BR" smtClean="0"/>
-              <a:t>18/04/2019</a:t>
+              <a:t>20/04/2019</a:t>
             </a:fld>
             <a:endParaRPr lang="pt-BR"/>
           </a:p>
@@ -2784,7 +2784,7 @@
           <a:p>
             <a:fld id="{05D07FE6-D4F0-43B8-8724-69D32D78BC5B}" type="datetimeFigureOut">
               <a:rPr lang="pt-BR" smtClean="0"/>
-              <a:t>18/04/2019</a:t>
+              <a:t>20/04/2019</a:t>
             </a:fld>
             <a:endParaRPr lang="pt-BR"/>
           </a:p>
@@ -3078,7 +3078,7 @@
           <a:p>
             <a:fld id="{05D07FE6-D4F0-43B8-8724-69D32D78BC5B}" type="datetimeFigureOut">
               <a:rPr lang="pt-BR" smtClean="0"/>
-              <a:t>18/04/2019</a:t>
+              <a:t>20/04/2019</a:t>
             </a:fld>
             <a:endParaRPr lang="pt-BR"/>
           </a:p>
@@ -3372,7 +3372,7 @@
           <a:p>
             <a:fld id="{05D07FE6-D4F0-43B8-8724-69D32D78BC5B}" type="datetimeFigureOut">
               <a:rPr lang="pt-BR" smtClean="0"/>
-              <a:t>18/04/2019</a:t>
+              <a:t>20/04/2019</a:t>
             </a:fld>
             <a:endParaRPr lang="pt-BR"/>
           </a:p>
@@ -3977,14 +3977,14 @@
       </p:sp>
       <p:sp>
         <p:nvSpPr>
-          <p:cNvPr id="6" name="CaixaDeTexto 5"/>
+          <p:cNvPr id="8" name="CaixaDeTexto 7"/>
           <p:cNvSpPr txBox="1"/>
           <p:nvPr/>
         </p:nvSpPr>
         <p:spPr>
           <a:xfrm>
-            <a:off x="7092280" y="5761748"/>
-            <a:ext cx="1817549" cy="369332"/>
+            <a:off x="5884158" y="5570076"/>
+            <a:ext cx="3152338" cy="523220"/>
           </a:xfrm>
           <a:prstGeom prst="rect">
             <a:avLst/>
@@ -3998,35 +3998,29 @@
           <a:lstStyle/>
           <a:p>
             <a:r>
-              <a:rPr lang="pt-BR" b="1" dirty="0" smtClean="0">
-                <a:solidFill>
-                  <a:schemeClr val="tx2">
-                    <a:lumMod val="75000"/>
-                  </a:schemeClr>
-                </a:solidFill>
-              </a:rPr>
-              <a:t>Roney Amorim</a:t>
-            </a:r>
-            <a:endParaRPr lang="pt-BR" b="1" dirty="0">
-              <a:solidFill>
-                <a:schemeClr val="tx2">
-                  <a:lumMod val="75000"/>
-                </a:schemeClr>
-              </a:solidFill>
+              <a:rPr lang="pt-BR" sz="2800" b="1" dirty="0" smtClean="0">
+                <a:latin typeface="Times New Roman" panose="02020603050405020304" pitchFamily="18" charset="0"/>
+                <a:cs typeface="Times New Roman" panose="02020603050405020304" pitchFamily="18" charset="0"/>
+              </a:rPr>
+              <a:t>RONEY AMORIM</a:t>
+            </a:r>
+            <a:endParaRPr lang="pt-BR" sz="2800" b="1" dirty="0">
+              <a:latin typeface="Times New Roman" panose="02020603050405020304" pitchFamily="18" charset="0"/>
+              <a:cs typeface="Times New Roman" panose="02020603050405020304" pitchFamily="18" charset="0"/>
             </a:endParaRPr>
           </a:p>
         </p:txBody>
       </p:sp>
       <p:sp>
         <p:nvSpPr>
-          <p:cNvPr id="7" name="CaixaDeTexto 6"/>
+          <p:cNvPr id="9" name="CaixaDeTexto 8"/>
           <p:cNvSpPr txBox="1"/>
           <p:nvPr/>
         </p:nvSpPr>
         <p:spPr>
           <a:xfrm>
-            <a:off x="6194663" y="6156012"/>
-            <a:ext cx="2826415" cy="369332"/>
+            <a:off x="6153719" y="5981218"/>
+            <a:ext cx="2810769" cy="400110"/>
           </a:xfrm>
           <a:prstGeom prst="rect">
             <a:avLst/>
@@ -4040,21 +4034,21 @@
           <a:lstStyle/>
           <a:p>
             <a:r>
-              <a:rPr lang="pt-BR" b="1" dirty="0" smtClean="0">
-                <a:solidFill>
-                  <a:schemeClr val="tx2">
-                    <a:lumMod val="75000"/>
-                  </a:schemeClr>
-                </a:solidFill>
+              <a:rPr lang="pt-BR" sz="2000" b="1" dirty="0" smtClean="0">
+                <a:solidFill>
+                  <a:schemeClr val="tx2"/>
+                </a:solidFill>
+                <a:latin typeface="Times New Roman" panose="02020603050405020304" pitchFamily="18" charset="0"/>
+                <a:cs typeface="Times New Roman" panose="02020603050405020304" pitchFamily="18" charset="0"/>
               </a:rPr>
               <a:t>Engenheiro de Software</a:t>
             </a:r>
-            <a:endParaRPr lang="pt-BR" b="1" dirty="0">
+            <a:endParaRPr lang="pt-BR" sz="2000" b="1" dirty="0">
               <a:solidFill>
-                <a:schemeClr val="tx2">
-                  <a:lumMod val="75000"/>
-                </a:schemeClr>
+                <a:schemeClr val="tx2"/>
               </a:solidFill>
+              <a:latin typeface="Times New Roman" panose="02020603050405020304" pitchFamily="18" charset="0"/>
+              <a:cs typeface="Times New Roman" panose="02020603050405020304" pitchFamily="18" charset="0"/>
             </a:endParaRPr>
           </a:p>
         </p:txBody>
@@ -4673,8 +4667,8 @@
         </p:blipFill>
         <p:spPr bwMode="auto">
           <a:xfrm>
-            <a:off x="539551" y="692696"/>
-            <a:ext cx="6616713" cy="6616713"/>
+            <a:off x="1085965" y="787703"/>
+            <a:ext cx="6070297" cy="6070297"/>
           </a:xfrm>
           <a:prstGeom prst="rect">
             <a:avLst/>
@@ -4977,8 +4971,8 @@
         </p:nvSpPr>
         <p:spPr>
           <a:xfrm>
-            <a:off x="395536" y="1916832"/>
-            <a:ext cx="8077755" cy="1656184"/>
+            <a:off x="251520" y="1916832"/>
+            <a:ext cx="8221771" cy="1656184"/>
           </a:xfrm>
         </p:spPr>
         <p:txBody>
@@ -4987,21 +4981,29 @@
           </a:bodyPr>
           <a:lstStyle/>
           <a:p>
-            <a:r>
-              <a:rPr lang="pt-BR" sz="2400" b="0" dirty="0">
-                <a:latin typeface="Times New Roman" panose="02020603050405020304" pitchFamily="18" charset="0"/>
-                <a:cs typeface="Times New Roman" panose="02020603050405020304" pitchFamily="18" charset="0"/>
-              </a:rPr>
-              <a:t>	JWT ou JSON Web Token nada mais é que um objeto JSON definido na RFC 7519 para realizar transferência informação de permissões de acesso entre duas pontas. Ele é codificado e assinado e possuí o seguinte formato</a:t>
-            </a:r>
-            <a:r>
-              <a:rPr lang="pt-BR" sz="2400" b="0" dirty="0" smtClean="0">
+            <a:pPr algn="just"/>
+            <a:r>
+              <a:rPr lang="pt-BR" sz="2600" b="0" dirty="0" smtClean="0">
+                <a:latin typeface="Times New Roman" panose="02020603050405020304" pitchFamily="18" charset="0"/>
+                <a:cs typeface="Times New Roman" panose="02020603050405020304" pitchFamily="18" charset="0"/>
+              </a:rPr>
+              <a:t>JWT </a:t>
+            </a:r>
+            <a:r>
+              <a:rPr lang="pt-BR" sz="2600" b="0" dirty="0">
+                <a:latin typeface="Times New Roman" panose="02020603050405020304" pitchFamily="18" charset="0"/>
+                <a:cs typeface="Times New Roman" panose="02020603050405020304" pitchFamily="18" charset="0"/>
+              </a:rPr>
+              <a:t>ou JSON Web Token nada mais é que um objeto JSON definido na RFC 7519 para realizar transferência informação de permissões de acesso entre duas pontas. Ele é codificado e assinado e possuí o seguinte formato</a:t>
+            </a:r>
+            <a:r>
+              <a:rPr lang="pt-BR" sz="2600" b="0" dirty="0" smtClean="0">
                 <a:latin typeface="Times New Roman" panose="02020603050405020304" pitchFamily="18" charset="0"/>
                 <a:cs typeface="Times New Roman" panose="02020603050405020304" pitchFamily="18" charset="0"/>
               </a:rPr>
               <a:t>:</a:t>
             </a:r>
-            <a:endParaRPr lang="pt-BR" sz="2400" b="0" dirty="0">
+            <a:endParaRPr lang="pt-BR" sz="2600" b="0" dirty="0">
               <a:latin typeface="Times New Roman" panose="02020603050405020304" pitchFamily="18" charset="0"/>
               <a:cs typeface="Times New Roman" panose="02020603050405020304" pitchFamily="18" charset="0"/>
             </a:endParaRPr>
@@ -5094,7 +5096,7 @@
         </p:nvSpPr>
         <p:spPr>
           <a:xfrm>
-            <a:off x="467543" y="3717032"/>
+            <a:off x="467542" y="4117142"/>
             <a:ext cx="8005747" cy="400110"/>
           </a:xfrm>
           <a:prstGeom prst="rect">
@@ -5222,8 +5224,8 @@
         </p:nvSpPr>
         <p:spPr>
           <a:xfrm>
-            <a:off x="395536" y="1916832"/>
-            <a:ext cx="8077755" cy="936104"/>
+            <a:off x="251520" y="1916832"/>
+            <a:ext cx="8221771" cy="1224136"/>
           </a:xfrm>
         </p:spPr>
         <p:txBody>
@@ -5232,29 +5234,37 @@
           </a:bodyPr>
           <a:lstStyle/>
           <a:p>
-            <a:r>
-              <a:rPr lang="pt-BR" sz="2400" b="0" dirty="0">
-                <a:latin typeface="Times New Roman" panose="02020603050405020304" pitchFamily="18" charset="0"/>
-                <a:cs typeface="Times New Roman" panose="02020603050405020304" pitchFamily="18" charset="0"/>
-              </a:rPr>
-              <a:t>	No header (cabeçalho) ficam os dados do </a:t>
-            </a:r>
-            <a:r>
-              <a:rPr lang="pt-BR" sz="2400" b="0" dirty="0" err="1">
+            <a:pPr algn="just"/>
+            <a:r>
+              <a:rPr lang="pt-BR" sz="2600" b="0" dirty="0" smtClean="0">
+                <a:latin typeface="Times New Roman" panose="02020603050405020304" pitchFamily="18" charset="0"/>
+                <a:cs typeface="Times New Roman" panose="02020603050405020304" pitchFamily="18" charset="0"/>
+              </a:rPr>
+              <a:t>No </a:t>
+            </a:r>
+            <a:r>
+              <a:rPr lang="pt-BR" sz="2600" b="0" dirty="0">
+                <a:latin typeface="Times New Roman" panose="02020603050405020304" pitchFamily="18" charset="0"/>
+                <a:cs typeface="Times New Roman" panose="02020603050405020304" pitchFamily="18" charset="0"/>
+              </a:rPr>
+              <a:t>header (cabeçalho) ficam os dados do </a:t>
+            </a:r>
+            <a:r>
+              <a:rPr lang="pt-BR" sz="2600" b="0" dirty="0" err="1">
                 <a:latin typeface="Times New Roman" panose="02020603050405020304" pitchFamily="18" charset="0"/>
                 <a:cs typeface="Times New Roman" panose="02020603050405020304" pitchFamily="18" charset="0"/>
               </a:rPr>
               <a:t>token</a:t>
             </a:r>
             <a:r>
-              <a:rPr lang="pt-BR" sz="2400" b="0" dirty="0">
+              <a:rPr lang="pt-BR" sz="2600" b="0" dirty="0">
                 <a:latin typeface="Times New Roman" panose="02020603050405020304" pitchFamily="18" charset="0"/>
                 <a:cs typeface="Times New Roman" panose="02020603050405020304" pitchFamily="18" charset="0"/>
               </a:rPr>
               <a:t>, que informam seu tipo e o algoritmo utilizado em sua assinatura</a:t>
             </a:r>
             <a:r>
-              <a:rPr lang="pt-BR" sz="2400" b="0" dirty="0" smtClean="0">
+              <a:rPr lang="pt-BR" sz="2600" b="0" dirty="0" smtClean="0">
                 <a:latin typeface="Times New Roman" panose="02020603050405020304" pitchFamily="18" charset="0"/>
                 <a:cs typeface="Times New Roman" panose="02020603050405020304" pitchFamily="18" charset="0"/>
               </a:rPr>
@@ -5342,7 +5352,7 @@
         </p:nvSpPr>
         <p:spPr>
           <a:xfrm>
-            <a:off x="526693" y="3061990"/>
+            <a:off x="526693" y="3677543"/>
             <a:ext cx="8005747" cy="1231106"/>
           </a:xfrm>
           <a:prstGeom prst="rect">
@@ -5536,8 +5546,8 @@
         </p:nvSpPr>
         <p:spPr>
           <a:xfrm>
-            <a:off x="395536" y="1916832"/>
-            <a:ext cx="8077755" cy="936104"/>
+            <a:off x="251520" y="1916832"/>
+            <a:ext cx="8221771" cy="936104"/>
           </a:xfrm>
         </p:spPr>
         <p:txBody>
@@ -5546,50 +5556,51 @@
           </a:bodyPr>
           <a:lstStyle/>
           <a:p>
-            <a:r>
-              <a:rPr lang="pt-BR" sz="2400" b="0" dirty="0">
-                <a:latin typeface="Times New Roman" panose="02020603050405020304" pitchFamily="18" charset="0"/>
-                <a:cs typeface="Times New Roman" panose="02020603050405020304" pitchFamily="18" charset="0"/>
-              </a:rPr>
-              <a:t>	No </a:t>
-            </a:r>
-            <a:r>
-              <a:rPr lang="pt-BR" sz="2400" b="0" dirty="0" err="1">
+            <a:pPr algn="just"/>
+            <a:r>
+              <a:rPr lang="pt-BR" sz="2600" b="0" dirty="0" smtClean="0">
+                <a:latin typeface="Times New Roman" panose="02020603050405020304" pitchFamily="18" charset="0"/>
+                <a:cs typeface="Times New Roman" panose="02020603050405020304" pitchFamily="18" charset="0"/>
+              </a:rPr>
+              <a:t>No </a:t>
+            </a:r>
+            <a:r>
+              <a:rPr lang="pt-BR" sz="2600" b="0" dirty="0" err="1">
                 <a:latin typeface="Times New Roman" panose="02020603050405020304" pitchFamily="18" charset="0"/>
                 <a:cs typeface="Times New Roman" panose="02020603050405020304" pitchFamily="18" charset="0"/>
               </a:rPr>
               <a:t>payload</a:t>
             </a:r>
             <a:r>
-              <a:rPr lang="pt-BR" sz="2400" b="0" dirty="0">
+              <a:rPr lang="pt-BR" sz="2600" b="0" dirty="0">
                 <a:latin typeface="Times New Roman" panose="02020603050405020304" pitchFamily="18" charset="0"/>
                 <a:cs typeface="Times New Roman" panose="02020603050405020304" pitchFamily="18" charset="0"/>
               </a:rPr>
               <a:t> (carga) ficam os dados do usuário e alguns </a:t>
             </a:r>
             <a:r>
-              <a:rPr lang="pt-BR" sz="2400" b="0" dirty="0" err="1">
+              <a:rPr lang="pt-BR" sz="2600" b="0" dirty="0" err="1">
                 <a:latin typeface="Times New Roman" panose="02020603050405020304" pitchFamily="18" charset="0"/>
                 <a:cs typeface="Times New Roman" panose="02020603050405020304" pitchFamily="18" charset="0"/>
               </a:rPr>
               <a:t>metadados</a:t>
             </a:r>
             <a:r>
-              <a:rPr lang="pt-BR" sz="2400" b="0" dirty="0">
+              <a:rPr lang="pt-BR" sz="2600" b="0" dirty="0">
                 <a:latin typeface="Times New Roman" panose="02020603050405020304" pitchFamily="18" charset="0"/>
                 <a:cs typeface="Times New Roman" panose="02020603050405020304" pitchFamily="18" charset="0"/>
               </a:rPr>
               <a:t> como a expiração do </a:t>
             </a:r>
             <a:r>
-              <a:rPr lang="pt-BR" sz="2400" b="0" dirty="0" err="1">
+              <a:rPr lang="pt-BR" sz="2600" b="0" dirty="0" err="1">
                 <a:latin typeface="Times New Roman" panose="02020603050405020304" pitchFamily="18" charset="0"/>
                 <a:cs typeface="Times New Roman" panose="02020603050405020304" pitchFamily="18" charset="0"/>
               </a:rPr>
               <a:t>token</a:t>
             </a:r>
             <a:r>
-              <a:rPr lang="pt-BR" sz="2400" b="0" dirty="0">
+              <a:rPr lang="pt-BR" sz="2600" b="0" dirty="0">
                 <a:latin typeface="Times New Roman" panose="02020603050405020304" pitchFamily="18" charset="0"/>
                 <a:cs typeface="Times New Roman" panose="02020603050405020304" pitchFamily="18" charset="0"/>
               </a:rPr>
@@ -5677,7 +5688,7 @@
         </p:nvSpPr>
         <p:spPr>
           <a:xfrm>
-            <a:off x="526693" y="3061990"/>
+            <a:off x="526693" y="3356992"/>
             <a:ext cx="8005747" cy="1477328"/>
           </a:xfrm>
           <a:prstGeom prst="rect">
@@ -5858,8 +5869,8 @@
         </p:nvSpPr>
         <p:spPr>
           <a:xfrm>
-            <a:off x="395536" y="1916832"/>
-            <a:ext cx="8077755" cy="4176464"/>
+            <a:off x="251520" y="1916832"/>
+            <a:ext cx="8221771" cy="4176464"/>
           </a:xfrm>
         </p:spPr>
         <p:txBody>
@@ -5868,145 +5879,167 @@
           </a:bodyPr>
           <a:lstStyle/>
           <a:p>
-            <a:r>
-              <a:rPr lang="pt-BR" sz="2400" b="0" dirty="0">
-                <a:latin typeface="Times New Roman" panose="02020603050405020304" pitchFamily="18" charset="0"/>
-                <a:cs typeface="Times New Roman" panose="02020603050405020304" pitchFamily="18" charset="0"/>
-              </a:rPr>
-              <a:t>	Para melhor esclarecendo, o </a:t>
-            </a:r>
-            <a:r>
-              <a:rPr lang="pt-BR" sz="2400" b="0" dirty="0" err="1">
+            <a:pPr algn="just"/>
+            <a:r>
+              <a:rPr lang="pt-BR" sz="2600" b="0" dirty="0" smtClean="0">
+                <a:latin typeface="Times New Roman" panose="02020603050405020304" pitchFamily="18" charset="0"/>
+                <a:cs typeface="Times New Roman" panose="02020603050405020304" pitchFamily="18" charset="0"/>
+              </a:rPr>
+              <a:t>Para </a:t>
+            </a:r>
+            <a:r>
+              <a:rPr lang="pt-BR" sz="2600" b="0" dirty="0">
+                <a:latin typeface="Times New Roman" panose="02020603050405020304" pitchFamily="18" charset="0"/>
+                <a:cs typeface="Times New Roman" panose="02020603050405020304" pitchFamily="18" charset="0"/>
+              </a:rPr>
+              <a:t>melhor esclarecendo, o </a:t>
+            </a:r>
+            <a:r>
+              <a:rPr lang="pt-BR" sz="2600" b="0" dirty="0" err="1">
                 <a:latin typeface="Times New Roman" panose="02020603050405020304" pitchFamily="18" charset="0"/>
                 <a:cs typeface="Times New Roman" panose="02020603050405020304" pitchFamily="18" charset="0"/>
               </a:rPr>
               <a:t>Payload</a:t>
             </a:r>
             <a:r>
-              <a:rPr lang="pt-BR" sz="2400" b="0" dirty="0">
+              <a:rPr lang="pt-BR" sz="2600" b="0" dirty="0">
                 <a:latin typeface="Times New Roman" panose="02020603050405020304" pitchFamily="18" charset="0"/>
                 <a:cs typeface="Times New Roman" panose="02020603050405020304" pitchFamily="18" charset="0"/>
               </a:rPr>
               <a:t> é um objeto JSON com as </a:t>
             </a:r>
             <a:r>
-              <a:rPr lang="pt-BR" sz="2400" b="0" dirty="0" err="1">
+              <a:rPr lang="pt-BR" sz="2600" b="0" dirty="0" err="1">
                 <a:latin typeface="Times New Roman" panose="02020603050405020304" pitchFamily="18" charset="0"/>
                 <a:cs typeface="Times New Roman" panose="02020603050405020304" pitchFamily="18" charset="0"/>
               </a:rPr>
               <a:t>Claims</a:t>
             </a:r>
             <a:r>
-              <a:rPr lang="pt-BR" sz="2400" b="0" dirty="0">
+              <a:rPr lang="pt-BR" sz="2600" b="0" dirty="0">
                 <a:latin typeface="Times New Roman" panose="02020603050405020304" pitchFamily="18" charset="0"/>
                 <a:cs typeface="Times New Roman" panose="02020603050405020304" pitchFamily="18" charset="0"/>
               </a:rPr>
               <a:t> (informações) da entidade tratada, </a:t>
             </a:r>
             <a:r>
-              <a:rPr lang="pt-BR" sz="2400" b="0" dirty="0" smtClean="0">
+              <a:rPr lang="pt-BR" sz="2600" b="0" dirty="0" smtClean="0">
                 <a:latin typeface="Times New Roman" panose="02020603050405020304" pitchFamily="18" charset="0"/>
                 <a:cs typeface="Times New Roman" panose="02020603050405020304" pitchFamily="18" charset="0"/>
               </a:rPr>
               <a:t> podendo ter três tipos de </a:t>
             </a:r>
             <a:r>
-              <a:rPr lang="pt-BR" sz="2400" b="0" dirty="0" err="1" smtClean="0">
+              <a:rPr lang="pt-BR" sz="2600" b="0" dirty="0" err="1" smtClean="0">
                 <a:latin typeface="Times New Roman" panose="02020603050405020304" pitchFamily="18" charset="0"/>
                 <a:cs typeface="Times New Roman" panose="02020603050405020304" pitchFamily="18" charset="0"/>
               </a:rPr>
               <a:t>claims</a:t>
             </a:r>
             <a:r>
-              <a:rPr lang="pt-BR" sz="2400" b="0" dirty="0" smtClean="0">
-                <a:latin typeface="Times New Roman" panose="02020603050405020304" pitchFamily="18" charset="0"/>
-                <a:cs typeface="Times New Roman" panose="02020603050405020304" pitchFamily="18" charset="0"/>
-              </a:rPr>
-              <a:t> diferentes.</a:t>
-            </a:r>
-          </a:p>
-          <a:p>
-            <a:pPr marL="457200" indent="-457200">
+              <a:rPr lang="pt-BR" sz="2600" b="0" dirty="0" smtClean="0">
+                <a:latin typeface="Times New Roman" panose="02020603050405020304" pitchFamily="18" charset="0"/>
+                <a:cs typeface="Times New Roman" panose="02020603050405020304" pitchFamily="18" charset="0"/>
+              </a:rPr>
+              <a:t> diferentes</a:t>
+            </a:r>
+            <a:r>
+              <a:rPr lang="pt-BR" sz="2600" b="0" dirty="0" smtClean="0">
+                <a:latin typeface="Times New Roman" panose="02020603050405020304" pitchFamily="18" charset="0"/>
+                <a:cs typeface="Times New Roman" panose="02020603050405020304" pitchFamily="18" charset="0"/>
+              </a:rPr>
+              <a:t>.</a:t>
+            </a:r>
+          </a:p>
+          <a:p>
+            <a:pPr algn="just"/>
+            <a:endParaRPr lang="pt-BR" sz="1200" b="0" dirty="0" smtClean="0">
+              <a:latin typeface="Times New Roman" panose="02020603050405020304" pitchFamily="18" charset="0"/>
+              <a:cs typeface="Times New Roman" panose="02020603050405020304" pitchFamily="18" charset="0"/>
+            </a:endParaRPr>
+          </a:p>
+          <a:p>
+            <a:pPr marL="457200" indent="-457200" algn="just">
               <a:buFont typeface="Wingdings" panose="05000000000000000000" pitchFamily="2" charset="2"/>
               <a:buChar char="§"/>
             </a:pPr>
             <a:r>
-              <a:rPr lang="pt-BR" sz="2400" b="0" dirty="0" err="1">
+              <a:rPr lang="pt-BR" sz="2600" b="0" dirty="0" err="1">
                 <a:latin typeface="Times New Roman" panose="02020603050405020304" pitchFamily="18" charset="0"/>
                 <a:cs typeface="Times New Roman" panose="02020603050405020304" pitchFamily="18" charset="0"/>
               </a:rPr>
               <a:t>Reserved</a:t>
             </a:r>
             <a:r>
-              <a:rPr lang="pt-BR" sz="2400" b="0" dirty="0">
+              <a:rPr lang="pt-BR" sz="2600" b="0" dirty="0">
                 <a:latin typeface="Times New Roman" panose="02020603050405020304" pitchFamily="18" charset="0"/>
                 <a:cs typeface="Times New Roman" panose="02020603050405020304" pitchFamily="18" charset="0"/>
               </a:rPr>
               <a:t> </a:t>
             </a:r>
             <a:r>
-              <a:rPr lang="pt-BR" sz="2400" b="0" dirty="0" err="1" smtClean="0">
+              <a:rPr lang="pt-BR" sz="2600" b="0" dirty="0" err="1" smtClean="0">
                 <a:latin typeface="Times New Roman" panose="02020603050405020304" pitchFamily="18" charset="0"/>
                 <a:cs typeface="Times New Roman" panose="02020603050405020304" pitchFamily="18" charset="0"/>
               </a:rPr>
               <a:t>claims</a:t>
             </a:r>
-            <a:endParaRPr lang="pt-BR" sz="2400" b="0" dirty="0" smtClean="0">
+            <a:endParaRPr lang="pt-BR" sz="2600" b="0" dirty="0" smtClean="0">
               <a:latin typeface="Times New Roman" panose="02020603050405020304" pitchFamily="18" charset="0"/>
               <a:cs typeface="Times New Roman" panose="02020603050405020304" pitchFamily="18" charset="0"/>
             </a:endParaRPr>
           </a:p>
           <a:p>
-            <a:pPr marL="457200" indent="-457200">
+            <a:pPr marL="457200" indent="-457200" algn="just">
               <a:buFont typeface="Wingdings" panose="05000000000000000000" pitchFamily="2" charset="2"/>
               <a:buChar char="§"/>
             </a:pPr>
             <a:r>
-              <a:rPr lang="pt-BR" sz="2400" b="0" dirty="0" err="1">
+              <a:rPr lang="pt-BR" sz="2600" b="0" dirty="0" err="1">
                 <a:latin typeface="Times New Roman" panose="02020603050405020304" pitchFamily="18" charset="0"/>
                 <a:cs typeface="Times New Roman" panose="02020603050405020304" pitchFamily="18" charset="0"/>
               </a:rPr>
               <a:t>Public</a:t>
             </a:r>
             <a:r>
-              <a:rPr lang="pt-BR" sz="2400" b="0" dirty="0">
+              <a:rPr lang="pt-BR" sz="2600" b="0" dirty="0">
                 <a:latin typeface="Times New Roman" panose="02020603050405020304" pitchFamily="18" charset="0"/>
                 <a:cs typeface="Times New Roman" panose="02020603050405020304" pitchFamily="18" charset="0"/>
               </a:rPr>
               <a:t> </a:t>
             </a:r>
             <a:r>
-              <a:rPr lang="pt-BR" sz="2400" b="0" dirty="0" err="1" smtClean="0">
+              <a:rPr lang="pt-BR" sz="2600" b="0" dirty="0" err="1" smtClean="0">
                 <a:latin typeface="Times New Roman" panose="02020603050405020304" pitchFamily="18" charset="0"/>
                 <a:cs typeface="Times New Roman" panose="02020603050405020304" pitchFamily="18" charset="0"/>
               </a:rPr>
               <a:t>claims</a:t>
             </a:r>
-            <a:endParaRPr lang="pt-BR" sz="2400" b="0" dirty="0" smtClean="0">
+            <a:endParaRPr lang="pt-BR" sz="2600" b="0" dirty="0" smtClean="0">
               <a:latin typeface="Times New Roman" panose="02020603050405020304" pitchFamily="18" charset="0"/>
               <a:cs typeface="Times New Roman" panose="02020603050405020304" pitchFamily="18" charset="0"/>
             </a:endParaRPr>
           </a:p>
           <a:p>
-            <a:pPr marL="457200" indent="-457200">
+            <a:pPr marL="457200" indent="-457200" algn="just">
               <a:buFont typeface="Wingdings" panose="05000000000000000000" pitchFamily="2" charset="2"/>
               <a:buChar char="§"/>
             </a:pPr>
             <a:r>
-              <a:rPr lang="pt-BR" sz="2400" b="0" dirty="0" smtClean="0">
+              <a:rPr lang="pt-BR" sz="2600" b="0" dirty="0" smtClean="0">
                 <a:latin typeface="Times New Roman" panose="02020603050405020304" pitchFamily="18" charset="0"/>
                 <a:cs typeface="Times New Roman" panose="02020603050405020304" pitchFamily="18" charset="0"/>
               </a:rPr>
               <a:t>Private </a:t>
             </a:r>
             <a:r>
-              <a:rPr lang="pt-BR" sz="2400" b="0" dirty="0" err="1">
+              <a:rPr lang="pt-BR" sz="2600" b="0" dirty="0" err="1">
                 <a:latin typeface="Times New Roman" panose="02020603050405020304" pitchFamily="18" charset="0"/>
                 <a:cs typeface="Times New Roman" panose="02020603050405020304" pitchFamily="18" charset="0"/>
               </a:rPr>
               <a:t>claims</a:t>
             </a:r>
-            <a:endParaRPr lang="pt-BR" sz="2400" b="0" dirty="0">
+            <a:endParaRPr lang="pt-BR" sz="2600" b="0" dirty="0">
               <a:latin typeface="Times New Roman" panose="02020603050405020304" pitchFamily="18" charset="0"/>
               <a:cs typeface="Times New Roman" panose="02020603050405020304" pitchFamily="18" charset="0"/>
             </a:endParaRPr>
@@ -6159,14 +6192,7 @@
             </a:r>
             <a:r>
               <a:rPr lang="pt-BR" sz="2800" b="1" dirty="0"/>
-              <a:t/>
-            </a:r>
-            <a:br>
-              <a:rPr lang="pt-BR" sz="2800" b="1" dirty="0"/>
-            </a:br>
-            <a:r>
-              <a:rPr lang="pt-BR" sz="2800" b="1" dirty="0" smtClean="0"/>
-              <a:t>	</a:t>
+              <a:t> </a:t>
             </a:r>
             <a:r>
               <a:rPr lang="pt-BR" sz="2800" b="1" dirty="0" err="1" smtClean="0"/>
@@ -6196,8 +6222,8 @@
         </p:nvSpPr>
         <p:spPr>
           <a:xfrm>
-            <a:off x="395536" y="1916832"/>
-            <a:ext cx="8077755" cy="4176464"/>
+            <a:off x="251520" y="1772816"/>
+            <a:ext cx="8640960" cy="4608512"/>
           </a:xfrm>
         </p:spPr>
         <p:txBody>
@@ -6206,36 +6232,44 @@
           </a:bodyPr>
           <a:lstStyle/>
           <a:p>
-            <a:r>
-              <a:rPr lang="pt-BR" sz="2400" b="0" dirty="0">
-                <a:latin typeface="Times New Roman" panose="02020603050405020304" pitchFamily="18" charset="0"/>
-                <a:cs typeface="Times New Roman" panose="02020603050405020304" pitchFamily="18" charset="0"/>
-              </a:rPr>
-              <a:t>	Atributos não obrigatórios (mas recomendados) que são usados na validação do </a:t>
-            </a:r>
-            <a:r>
-              <a:rPr lang="pt-BR" sz="2400" b="0" dirty="0" err="1">
+            <a:pPr algn="just"/>
+            <a:r>
+              <a:rPr lang="pt-BR" sz="2600" b="0" dirty="0" smtClean="0">
+                <a:latin typeface="Times New Roman" panose="02020603050405020304" pitchFamily="18" charset="0"/>
+                <a:cs typeface="Times New Roman" panose="02020603050405020304" pitchFamily="18" charset="0"/>
+              </a:rPr>
+              <a:t>Atributos </a:t>
+            </a:r>
+            <a:r>
+              <a:rPr lang="pt-BR" sz="2600" b="0" dirty="0">
+                <a:latin typeface="Times New Roman" panose="02020603050405020304" pitchFamily="18" charset="0"/>
+                <a:cs typeface="Times New Roman" panose="02020603050405020304" pitchFamily="18" charset="0"/>
+              </a:rPr>
+              <a:t>não obrigatórios (mas recomendados) que são usados na validação do </a:t>
+            </a:r>
+            <a:r>
+              <a:rPr lang="pt-BR" sz="2600" b="0" dirty="0" err="1">
                 <a:latin typeface="Times New Roman" panose="02020603050405020304" pitchFamily="18" charset="0"/>
                 <a:cs typeface="Times New Roman" panose="02020603050405020304" pitchFamily="18" charset="0"/>
               </a:rPr>
               <a:t>token</a:t>
             </a:r>
             <a:r>
-              <a:rPr lang="pt-BR" sz="2400" b="0" dirty="0">
+              <a:rPr lang="pt-BR" sz="2600" b="0" dirty="0">
                 <a:latin typeface="Times New Roman" panose="02020603050405020304" pitchFamily="18" charset="0"/>
                 <a:cs typeface="Times New Roman" panose="02020603050405020304" pitchFamily="18" charset="0"/>
               </a:rPr>
               <a:t> pelos protocolos de segurança das </a:t>
             </a:r>
             <a:r>
-              <a:rPr lang="pt-BR" sz="2400" b="0" dirty="0" err="1" smtClean="0">
+              <a:rPr lang="pt-BR" sz="2600" b="0" dirty="0" err="1" smtClean="0">
                 <a:latin typeface="Times New Roman" panose="02020603050405020304" pitchFamily="18" charset="0"/>
                 <a:cs typeface="Times New Roman" panose="02020603050405020304" pitchFamily="18" charset="0"/>
               </a:rPr>
               <a:t>APIs</a:t>
             </a:r>
             <a:r>
-              <a:rPr lang="pt-BR" sz="2400" b="0" dirty="0" smtClean="0">
+              <a:rPr lang="pt-BR" sz="2600" b="0" dirty="0" smtClean="0">
                 <a:latin typeface="Times New Roman" panose="02020603050405020304" pitchFamily="18" charset="0"/>
                 <a:cs typeface="Times New Roman" panose="02020603050405020304" pitchFamily="18" charset="0"/>
               </a:rPr>
@@ -6243,54 +6277,54 @@
             </a:r>
           </a:p>
           <a:p>
-            <a:pPr marL="342900" indent="-342900">
+            <a:pPr marL="342900" indent="-342900" algn="just">
               <a:buFont typeface="Arial" panose="020B0604020202020204" pitchFamily="34" charset="0"/>
               <a:buChar char="•"/>
             </a:pPr>
             <a:r>
-              <a:rPr lang="pt-BR" dirty="0" smtClean="0">
+              <a:rPr lang="pt-BR" sz="2600" dirty="0" smtClean="0">
                 <a:latin typeface="Times New Roman" panose="02020603050405020304" pitchFamily="18" charset="0"/>
                 <a:cs typeface="Times New Roman" panose="02020603050405020304" pitchFamily="18" charset="0"/>
               </a:rPr>
               <a:t>sub </a:t>
             </a:r>
             <a:r>
-              <a:rPr lang="pt-BR" dirty="0">
+              <a:rPr lang="pt-BR" sz="2600" dirty="0">
                 <a:latin typeface="Times New Roman" panose="02020603050405020304" pitchFamily="18" charset="0"/>
                 <a:cs typeface="Times New Roman" panose="02020603050405020304" pitchFamily="18" charset="0"/>
               </a:rPr>
               <a:t>(</a:t>
             </a:r>
             <a:r>
-              <a:rPr lang="pt-BR" dirty="0" err="1">
+              <a:rPr lang="pt-BR" sz="2600" dirty="0" err="1">
                 <a:latin typeface="Times New Roman" panose="02020603050405020304" pitchFamily="18" charset="0"/>
                 <a:cs typeface="Times New Roman" panose="02020603050405020304" pitchFamily="18" charset="0"/>
               </a:rPr>
               <a:t>subject</a:t>
             </a:r>
             <a:r>
-              <a:rPr lang="pt-BR" dirty="0" smtClean="0">
+              <a:rPr lang="pt-BR" sz="2600" dirty="0" smtClean="0">
                 <a:latin typeface="Times New Roman" panose="02020603050405020304" pitchFamily="18" charset="0"/>
                 <a:cs typeface="Times New Roman" panose="02020603050405020304" pitchFamily="18" charset="0"/>
               </a:rPr>
               <a:t>): </a:t>
             </a:r>
             <a:r>
-              <a:rPr lang="pt-BR" b="0" dirty="0">
+              <a:rPr lang="pt-BR" sz="2600" b="0" dirty="0">
                 <a:latin typeface="Times New Roman" panose="02020603050405020304" pitchFamily="18" charset="0"/>
                 <a:cs typeface="Times New Roman" panose="02020603050405020304" pitchFamily="18" charset="0"/>
               </a:rPr>
               <a:t>Entidade à quem o </a:t>
             </a:r>
             <a:r>
-              <a:rPr lang="pt-BR" b="0" dirty="0" err="1">
+              <a:rPr lang="pt-BR" sz="2600" b="0" dirty="0" err="1">
                 <a:latin typeface="Times New Roman" panose="02020603050405020304" pitchFamily="18" charset="0"/>
                 <a:cs typeface="Times New Roman" panose="02020603050405020304" pitchFamily="18" charset="0"/>
               </a:rPr>
               <a:t>token</a:t>
             </a:r>
             <a:r>
-              <a:rPr lang="pt-BR" b="0" dirty="0">
+              <a:rPr lang="pt-BR" sz="2600" b="0" dirty="0">
                 <a:latin typeface="Times New Roman" panose="02020603050405020304" pitchFamily="18" charset="0"/>
                 <a:cs typeface="Times New Roman" panose="02020603050405020304" pitchFamily="18" charset="0"/>
               </a:rPr>
@@ -6298,68 +6332,68 @@
             </a:r>
           </a:p>
           <a:p>
-            <a:pPr marL="342900" indent="-342900">
+            <a:pPr marL="342900" indent="-342900" algn="just">
               <a:buFont typeface="Arial" panose="020B0604020202020204" pitchFamily="34" charset="0"/>
               <a:buChar char="•"/>
             </a:pPr>
             <a:r>
-              <a:rPr lang="pt-BR" dirty="0" err="1" smtClean="0">
+              <a:rPr lang="pt-BR" sz="2600" dirty="0" err="1" smtClean="0">
                 <a:latin typeface="Times New Roman" panose="02020603050405020304" pitchFamily="18" charset="0"/>
                 <a:cs typeface="Times New Roman" panose="02020603050405020304" pitchFamily="18" charset="0"/>
               </a:rPr>
               <a:t>iss</a:t>
             </a:r>
             <a:r>
-              <a:rPr lang="pt-BR" dirty="0" smtClean="0">
+              <a:rPr lang="pt-BR" sz="2600" dirty="0" smtClean="0">
                 <a:latin typeface="Times New Roman" panose="02020603050405020304" pitchFamily="18" charset="0"/>
                 <a:cs typeface="Times New Roman" panose="02020603050405020304" pitchFamily="18" charset="0"/>
               </a:rPr>
               <a:t> </a:t>
             </a:r>
             <a:r>
-              <a:rPr lang="pt-BR" dirty="0">
+              <a:rPr lang="pt-BR" sz="2600" dirty="0">
                 <a:latin typeface="Times New Roman" panose="02020603050405020304" pitchFamily="18" charset="0"/>
                 <a:cs typeface="Times New Roman" panose="02020603050405020304" pitchFamily="18" charset="0"/>
               </a:rPr>
               <a:t>(</a:t>
             </a:r>
             <a:r>
-              <a:rPr lang="pt-BR" dirty="0" err="1">
+              <a:rPr lang="pt-BR" sz="2600" dirty="0" err="1">
                 <a:latin typeface="Times New Roman" panose="02020603050405020304" pitchFamily="18" charset="0"/>
                 <a:cs typeface="Times New Roman" panose="02020603050405020304" pitchFamily="18" charset="0"/>
               </a:rPr>
               <a:t>issuer</a:t>
             </a:r>
             <a:r>
-              <a:rPr lang="pt-BR" dirty="0" smtClean="0">
+              <a:rPr lang="pt-BR" sz="2600" dirty="0" smtClean="0">
                 <a:latin typeface="Times New Roman" panose="02020603050405020304" pitchFamily="18" charset="0"/>
                 <a:cs typeface="Times New Roman" panose="02020603050405020304" pitchFamily="18" charset="0"/>
               </a:rPr>
               <a:t>): </a:t>
             </a:r>
             <a:r>
-              <a:rPr lang="pt-BR" b="0" dirty="0" smtClean="0">
+              <a:rPr lang="pt-BR" sz="2600" b="0" dirty="0" smtClean="0">
                 <a:latin typeface="Times New Roman" panose="02020603050405020304" pitchFamily="18" charset="0"/>
                 <a:cs typeface="Times New Roman" panose="02020603050405020304" pitchFamily="18" charset="0"/>
               </a:rPr>
               <a:t>Emissor </a:t>
             </a:r>
             <a:r>
-              <a:rPr lang="pt-BR" b="0" dirty="0">
+              <a:rPr lang="pt-BR" sz="2600" b="0" dirty="0">
                 <a:latin typeface="Times New Roman" panose="02020603050405020304" pitchFamily="18" charset="0"/>
                 <a:cs typeface="Times New Roman" panose="02020603050405020304" pitchFamily="18" charset="0"/>
               </a:rPr>
               <a:t>do </a:t>
             </a:r>
             <a:r>
-              <a:rPr lang="pt-BR" b="0" dirty="0" err="1">
+              <a:rPr lang="pt-BR" sz="2600" b="0" dirty="0" err="1">
                 <a:latin typeface="Times New Roman" panose="02020603050405020304" pitchFamily="18" charset="0"/>
                 <a:cs typeface="Times New Roman" panose="02020603050405020304" pitchFamily="18" charset="0"/>
               </a:rPr>
               <a:t>token</a:t>
             </a:r>
             <a:r>
-              <a:rPr lang="pt-BR" b="0" dirty="0">
+              <a:rPr lang="pt-BR" sz="2600" b="0" dirty="0">
                 <a:latin typeface="Times New Roman" panose="02020603050405020304" pitchFamily="18" charset="0"/>
                 <a:cs typeface="Times New Roman" panose="02020603050405020304" pitchFamily="18" charset="0"/>
               </a:rPr>
@@ -6367,75 +6401,75 @@
             </a:r>
           </a:p>
           <a:p>
-            <a:pPr marL="342900" indent="-342900">
+            <a:pPr marL="342900" indent="-342900" algn="just">
               <a:buFont typeface="Arial" panose="020B0604020202020204" pitchFamily="34" charset="0"/>
               <a:buChar char="•"/>
             </a:pPr>
             <a:r>
-              <a:rPr lang="pt-BR" dirty="0" err="1" smtClean="0">
+              <a:rPr lang="pt-BR" sz="2600" dirty="0" err="1" smtClean="0">
                 <a:latin typeface="Times New Roman" panose="02020603050405020304" pitchFamily="18" charset="0"/>
                 <a:cs typeface="Times New Roman" panose="02020603050405020304" pitchFamily="18" charset="0"/>
               </a:rPr>
               <a:t>exp</a:t>
             </a:r>
             <a:r>
-              <a:rPr lang="pt-BR" dirty="0" smtClean="0">
+              <a:rPr lang="pt-BR" sz="2600" dirty="0" smtClean="0">
                 <a:latin typeface="Times New Roman" panose="02020603050405020304" pitchFamily="18" charset="0"/>
                 <a:cs typeface="Times New Roman" panose="02020603050405020304" pitchFamily="18" charset="0"/>
               </a:rPr>
               <a:t> </a:t>
             </a:r>
             <a:r>
-              <a:rPr lang="pt-BR" dirty="0">
+              <a:rPr lang="pt-BR" sz="2600" dirty="0">
                 <a:latin typeface="Times New Roman" panose="02020603050405020304" pitchFamily="18" charset="0"/>
                 <a:cs typeface="Times New Roman" panose="02020603050405020304" pitchFamily="18" charset="0"/>
               </a:rPr>
               <a:t>(</a:t>
             </a:r>
             <a:r>
-              <a:rPr lang="pt-BR" dirty="0" err="1" smtClean="0">
+              <a:rPr lang="pt-BR" sz="2600" dirty="0" err="1" smtClean="0">
                 <a:latin typeface="Times New Roman" panose="02020603050405020304" pitchFamily="18" charset="0"/>
                 <a:cs typeface="Times New Roman" panose="02020603050405020304" pitchFamily="18" charset="0"/>
               </a:rPr>
               <a:t>expiration</a:t>
             </a:r>
             <a:r>
-              <a:rPr lang="pt-BR" dirty="0" smtClean="0">
+              <a:rPr lang="pt-BR" sz="2600" dirty="0" smtClean="0">
                 <a:latin typeface="Times New Roman" panose="02020603050405020304" pitchFamily="18" charset="0"/>
                 <a:cs typeface="Times New Roman" panose="02020603050405020304" pitchFamily="18" charset="0"/>
               </a:rPr>
               <a:t>): </a:t>
             </a:r>
             <a:r>
-              <a:rPr lang="pt-BR" b="0" dirty="0" err="1" smtClean="0">
+              <a:rPr lang="pt-BR" sz="2600" b="0" dirty="0" err="1" smtClean="0">
                 <a:latin typeface="Times New Roman" panose="02020603050405020304" pitchFamily="18" charset="0"/>
                 <a:cs typeface="Times New Roman" panose="02020603050405020304" pitchFamily="18" charset="0"/>
               </a:rPr>
               <a:t>Timestamp</a:t>
             </a:r>
             <a:r>
-              <a:rPr lang="pt-BR" b="0" dirty="0" smtClean="0">
+              <a:rPr lang="pt-BR" sz="2600" b="0" dirty="0" smtClean="0">
                 <a:latin typeface="Times New Roman" panose="02020603050405020304" pitchFamily="18" charset="0"/>
                 <a:cs typeface="Times New Roman" panose="02020603050405020304" pitchFamily="18" charset="0"/>
               </a:rPr>
               <a:t> </a:t>
             </a:r>
             <a:r>
-              <a:rPr lang="pt-BR" b="0" dirty="0">
+              <a:rPr lang="pt-BR" sz="2600" b="0" dirty="0">
                 <a:latin typeface="Times New Roman" panose="02020603050405020304" pitchFamily="18" charset="0"/>
                 <a:cs typeface="Times New Roman" panose="02020603050405020304" pitchFamily="18" charset="0"/>
               </a:rPr>
               <a:t>de quando o </a:t>
             </a:r>
             <a:r>
-              <a:rPr lang="pt-BR" b="0" dirty="0" err="1">
+              <a:rPr lang="pt-BR" sz="2600" b="0" dirty="0" err="1">
                 <a:latin typeface="Times New Roman" panose="02020603050405020304" pitchFamily="18" charset="0"/>
                 <a:cs typeface="Times New Roman" panose="02020603050405020304" pitchFamily="18" charset="0"/>
               </a:rPr>
               <a:t>token</a:t>
             </a:r>
             <a:r>
-              <a:rPr lang="pt-BR" b="0" dirty="0">
+              <a:rPr lang="pt-BR" sz="2600" b="0" dirty="0">
                 <a:latin typeface="Times New Roman" panose="02020603050405020304" pitchFamily="18" charset="0"/>
                 <a:cs typeface="Times New Roman" panose="02020603050405020304" pitchFamily="18" charset="0"/>
               </a:rPr>
@@ -6443,89 +6477,89 @@
             </a:r>
           </a:p>
           <a:p>
-            <a:pPr marL="342900" indent="-342900">
+            <a:pPr marL="342900" indent="-342900" algn="just">
               <a:buFont typeface="Arial" panose="020B0604020202020204" pitchFamily="34" charset="0"/>
               <a:buChar char="•"/>
             </a:pPr>
             <a:r>
-              <a:rPr lang="pt-BR" dirty="0" err="1" smtClean="0">
+              <a:rPr lang="pt-BR" sz="2600" dirty="0" err="1" smtClean="0">
                 <a:latin typeface="Times New Roman" panose="02020603050405020304" pitchFamily="18" charset="0"/>
                 <a:cs typeface="Times New Roman" panose="02020603050405020304" pitchFamily="18" charset="0"/>
               </a:rPr>
               <a:t>iat</a:t>
             </a:r>
             <a:r>
-              <a:rPr lang="pt-BR" dirty="0" smtClean="0">
+              <a:rPr lang="pt-BR" sz="2600" dirty="0" smtClean="0">
                 <a:latin typeface="Times New Roman" panose="02020603050405020304" pitchFamily="18" charset="0"/>
                 <a:cs typeface="Times New Roman" panose="02020603050405020304" pitchFamily="18" charset="0"/>
               </a:rPr>
               <a:t> </a:t>
             </a:r>
             <a:r>
-              <a:rPr lang="pt-BR" dirty="0">
+              <a:rPr lang="pt-BR" sz="2600" dirty="0">
                 <a:latin typeface="Times New Roman" panose="02020603050405020304" pitchFamily="18" charset="0"/>
                 <a:cs typeface="Times New Roman" panose="02020603050405020304" pitchFamily="18" charset="0"/>
               </a:rPr>
               <a:t>(</a:t>
             </a:r>
             <a:r>
-              <a:rPr lang="pt-BR" dirty="0" err="1">
+              <a:rPr lang="pt-BR" sz="2600" dirty="0" err="1">
                 <a:latin typeface="Times New Roman" panose="02020603050405020304" pitchFamily="18" charset="0"/>
                 <a:cs typeface="Times New Roman" panose="02020603050405020304" pitchFamily="18" charset="0"/>
               </a:rPr>
               <a:t>issued</a:t>
             </a:r>
             <a:r>
-              <a:rPr lang="pt-BR" dirty="0">
+              <a:rPr lang="pt-BR" sz="2600" dirty="0">
                 <a:latin typeface="Times New Roman" panose="02020603050405020304" pitchFamily="18" charset="0"/>
                 <a:cs typeface="Times New Roman" panose="02020603050405020304" pitchFamily="18" charset="0"/>
               </a:rPr>
               <a:t> </a:t>
             </a:r>
             <a:r>
-              <a:rPr lang="pt-BR" dirty="0" err="1">
+              <a:rPr lang="pt-BR" sz="2600" dirty="0" err="1">
                 <a:latin typeface="Times New Roman" panose="02020603050405020304" pitchFamily="18" charset="0"/>
                 <a:cs typeface="Times New Roman" panose="02020603050405020304" pitchFamily="18" charset="0"/>
               </a:rPr>
               <a:t>at</a:t>
             </a:r>
             <a:r>
-              <a:rPr lang="pt-BR" dirty="0" smtClean="0">
+              <a:rPr lang="pt-BR" sz="2600" dirty="0" smtClean="0">
                 <a:latin typeface="Times New Roman" panose="02020603050405020304" pitchFamily="18" charset="0"/>
                 <a:cs typeface="Times New Roman" panose="02020603050405020304" pitchFamily="18" charset="0"/>
               </a:rPr>
               <a:t>):</a:t>
             </a:r>
             <a:r>
-              <a:rPr lang="pt-BR" b="0" dirty="0" smtClean="0">
+              <a:rPr lang="pt-BR" sz="2600" b="0" dirty="0" smtClean="0">
                 <a:latin typeface="Times New Roman" panose="02020603050405020304" pitchFamily="18" charset="0"/>
                 <a:cs typeface="Times New Roman" panose="02020603050405020304" pitchFamily="18" charset="0"/>
               </a:rPr>
               <a:t> </a:t>
             </a:r>
             <a:r>
-              <a:rPr lang="pt-BR" b="0" dirty="0" err="1">
+              <a:rPr lang="pt-BR" sz="2600" b="0" dirty="0" err="1">
                 <a:latin typeface="Times New Roman" panose="02020603050405020304" pitchFamily="18" charset="0"/>
                 <a:cs typeface="Times New Roman" panose="02020603050405020304" pitchFamily="18" charset="0"/>
               </a:rPr>
               <a:t>Timestamp</a:t>
             </a:r>
             <a:r>
-              <a:rPr lang="pt-BR" b="0" dirty="0">
+              <a:rPr lang="pt-BR" sz="2600" b="0" dirty="0">
                 <a:latin typeface="Times New Roman" panose="02020603050405020304" pitchFamily="18" charset="0"/>
                 <a:cs typeface="Times New Roman" panose="02020603050405020304" pitchFamily="18" charset="0"/>
               </a:rPr>
               <a:t> de quando o </a:t>
             </a:r>
             <a:r>
-              <a:rPr lang="pt-BR" b="0" dirty="0" err="1">
+              <a:rPr lang="pt-BR" sz="2600" b="0" dirty="0" err="1">
                 <a:latin typeface="Times New Roman" panose="02020603050405020304" pitchFamily="18" charset="0"/>
                 <a:cs typeface="Times New Roman" panose="02020603050405020304" pitchFamily="18" charset="0"/>
               </a:rPr>
               <a:t>token</a:t>
             </a:r>
             <a:r>
-              <a:rPr lang="pt-BR" b="0" dirty="0">
+              <a:rPr lang="pt-BR" sz="2600" b="0" dirty="0">
                 <a:latin typeface="Times New Roman" panose="02020603050405020304" pitchFamily="18" charset="0"/>
                 <a:cs typeface="Times New Roman" panose="02020603050405020304" pitchFamily="18" charset="0"/>
               </a:rPr>
@@ -6533,75 +6567,75 @@
             </a:r>
           </a:p>
           <a:p>
-            <a:pPr marL="342900" indent="-342900">
+            <a:pPr marL="342900" indent="-342900" algn="just">
               <a:buFont typeface="Arial" panose="020B0604020202020204" pitchFamily="34" charset="0"/>
               <a:buChar char="•"/>
             </a:pPr>
             <a:r>
-              <a:rPr lang="pt-BR" dirty="0" err="1" smtClean="0">
+              <a:rPr lang="pt-BR" sz="2600" dirty="0" err="1" smtClean="0">
                 <a:latin typeface="Times New Roman" panose="02020603050405020304" pitchFamily="18" charset="0"/>
                 <a:cs typeface="Times New Roman" panose="02020603050405020304" pitchFamily="18" charset="0"/>
               </a:rPr>
               <a:t>aud</a:t>
             </a:r>
             <a:r>
-              <a:rPr lang="pt-BR" dirty="0" smtClean="0">
+              <a:rPr lang="pt-BR" sz="2600" dirty="0" smtClean="0">
                 <a:latin typeface="Times New Roman" panose="02020603050405020304" pitchFamily="18" charset="0"/>
                 <a:cs typeface="Times New Roman" panose="02020603050405020304" pitchFamily="18" charset="0"/>
               </a:rPr>
               <a:t> </a:t>
             </a:r>
             <a:r>
-              <a:rPr lang="pt-BR" dirty="0">
+              <a:rPr lang="pt-BR" sz="2600" dirty="0">
                 <a:latin typeface="Times New Roman" panose="02020603050405020304" pitchFamily="18" charset="0"/>
                 <a:cs typeface="Times New Roman" panose="02020603050405020304" pitchFamily="18" charset="0"/>
               </a:rPr>
               <a:t>(</a:t>
             </a:r>
             <a:r>
-              <a:rPr lang="pt-BR" dirty="0" err="1">
+              <a:rPr lang="pt-BR" sz="2600" dirty="0" err="1">
                 <a:latin typeface="Times New Roman" panose="02020603050405020304" pitchFamily="18" charset="0"/>
                 <a:cs typeface="Times New Roman" panose="02020603050405020304" pitchFamily="18" charset="0"/>
               </a:rPr>
               <a:t>audience</a:t>
             </a:r>
             <a:r>
-              <a:rPr lang="pt-BR" dirty="0" smtClean="0">
+              <a:rPr lang="pt-BR" sz="2600" dirty="0" smtClean="0">
                 <a:latin typeface="Times New Roman" panose="02020603050405020304" pitchFamily="18" charset="0"/>
                 <a:cs typeface="Times New Roman" panose="02020603050405020304" pitchFamily="18" charset="0"/>
               </a:rPr>
               <a:t>):</a:t>
             </a:r>
             <a:r>
-              <a:rPr lang="pt-BR" b="0" dirty="0" smtClean="0">
+              <a:rPr lang="pt-BR" sz="2600" b="0" dirty="0" smtClean="0">
                 <a:latin typeface="Times New Roman" panose="02020603050405020304" pitchFamily="18" charset="0"/>
                 <a:cs typeface="Times New Roman" panose="02020603050405020304" pitchFamily="18" charset="0"/>
               </a:rPr>
               <a:t> </a:t>
             </a:r>
             <a:r>
-              <a:rPr lang="pt-BR" b="0" dirty="0">
+              <a:rPr lang="pt-BR" sz="2600" b="0" dirty="0">
                 <a:latin typeface="Times New Roman" panose="02020603050405020304" pitchFamily="18" charset="0"/>
                 <a:cs typeface="Times New Roman" panose="02020603050405020304" pitchFamily="18" charset="0"/>
               </a:rPr>
               <a:t>Destinatário do </a:t>
             </a:r>
             <a:r>
-              <a:rPr lang="pt-BR" b="0" dirty="0" err="1">
+              <a:rPr lang="pt-BR" sz="2600" b="0" dirty="0" err="1">
                 <a:latin typeface="Times New Roman" panose="02020603050405020304" pitchFamily="18" charset="0"/>
                 <a:cs typeface="Times New Roman" panose="02020603050405020304" pitchFamily="18" charset="0"/>
               </a:rPr>
               <a:t>token</a:t>
             </a:r>
             <a:r>
-              <a:rPr lang="pt-BR" b="0" dirty="0">
+              <a:rPr lang="pt-BR" sz="2600" b="0" dirty="0">
                 <a:latin typeface="Times New Roman" panose="02020603050405020304" pitchFamily="18" charset="0"/>
                 <a:cs typeface="Times New Roman" panose="02020603050405020304" pitchFamily="18" charset="0"/>
               </a:rPr>
               <a:t>, representa a aplicação que irá usá-lo</a:t>
             </a:r>
             <a:r>
-              <a:rPr lang="pt-BR" b="0" dirty="0" smtClean="0">
+              <a:rPr lang="pt-BR" sz="2600" b="0" dirty="0" smtClean="0">
                 <a:latin typeface="Times New Roman" panose="02020603050405020304" pitchFamily="18" charset="0"/>
                 <a:cs typeface="Times New Roman" panose="02020603050405020304" pitchFamily="18" charset="0"/>
               </a:rPr>
@@ -6756,14 +6790,7 @@
             </a:r>
             <a:r>
               <a:rPr lang="pt-BR" sz="2800" b="1" dirty="0"/>
-              <a:t/>
-            </a:r>
-            <a:br>
-              <a:rPr lang="pt-BR" sz="2800" b="1" dirty="0"/>
-            </a:br>
-            <a:r>
-              <a:rPr lang="pt-BR" sz="2800" b="1" dirty="0" smtClean="0"/>
-              <a:t>	</a:t>
+              <a:t> </a:t>
             </a:r>
             <a:r>
               <a:rPr lang="pt-BR" sz="2800" b="1" dirty="0" err="1" smtClean="0"/>
@@ -6803,15 +6830,23 @@
           </a:bodyPr>
           <a:lstStyle/>
           <a:p>
-            <a:r>
-              <a:rPr lang="pt-BR" sz="2400" b="0" dirty="0">
-                <a:latin typeface="Times New Roman" panose="02020603050405020304" pitchFamily="18" charset="0"/>
-                <a:cs typeface="Times New Roman" panose="02020603050405020304" pitchFamily="18" charset="0"/>
-              </a:rPr>
-              <a:t>	Atributos que usamos em nossas aplicações. Normalmente armazenamos as informações do usuário autenticado na aplicação</a:t>
-            </a:r>
-            <a:r>
-              <a:rPr lang="pt-BR" sz="2400" b="0" dirty="0" smtClean="0">
+            <a:pPr algn="just"/>
+            <a:r>
+              <a:rPr lang="pt-BR" sz="2600" b="0" dirty="0" smtClean="0">
+                <a:latin typeface="Times New Roman" panose="02020603050405020304" pitchFamily="18" charset="0"/>
+                <a:cs typeface="Times New Roman" panose="02020603050405020304" pitchFamily="18" charset="0"/>
+              </a:rPr>
+              <a:t>Atributos </a:t>
+            </a:r>
+            <a:r>
+              <a:rPr lang="pt-BR" sz="2600" b="0" dirty="0">
+                <a:latin typeface="Times New Roman" panose="02020603050405020304" pitchFamily="18" charset="0"/>
+                <a:cs typeface="Times New Roman" panose="02020603050405020304" pitchFamily="18" charset="0"/>
+              </a:rPr>
+              <a:t>que usamos em nossas aplicações. Normalmente armazenamos as informações do usuário autenticado na aplicação</a:t>
+            </a:r>
+            <a:r>
+              <a:rPr lang="pt-BR" sz="2600" b="0" dirty="0" smtClean="0">
                 <a:latin typeface="Times New Roman" panose="02020603050405020304" pitchFamily="18" charset="0"/>
                 <a:cs typeface="Times New Roman" panose="02020603050405020304" pitchFamily="18" charset="0"/>
               </a:rPr>
@@ -6819,29 +6854,36 @@
             </a:r>
           </a:p>
           <a:p>
-            <a:pPr marL="342900" indent="-342900">
+            <a:pPr algn="just"/>
+            <a:endParaRPr lang="pt-BR" sz="1200" b="0" dirty="0" smtClean="0">
+              <a:latin typeface="Times New Roman" panose="02020603050405020304" pitchFamily="18" charset="0"/>
+              <a:cs typeface="Times New Roman" panose="02020603050405020304" pitchFamily="18" charset="0"/>
+            </a:endParaRPr>
+          </a:p>
+          <a:p>
+            <a:pPr marL="342900" indent="-342900" algn="just">
               <a:buFont typeface="Arial" panose="020B0604020202020204" pitchFamily="34" charset="0"/>
               <a:buChar char="•"/>
             </a:pPr>
             <a:r>
-              <a:rPr lang="pt-BR" dirty="0" err="1" smtClean="0">
+              <a:rPr lang="pt-BR" sz="2600" dirty="0" err="1" smtClean="0">
                 <a:latin typeface="Times New Roman" panose="02020603050405020304" pitchFamily="18" charset="0"/>
                 <a:cs typeface="Times New Roman" panose="02020603050405020304" pitchFamily="18" charset="0"/>
               </a:rPr>
               <a:t>name</a:t>
             </a:r>
-            <a:endParaRPr lang="pt-BR" dirty="0" smtClean="0">
+            <a:endParaRPr lang="pt-BR" sz="2600" dirty="0" smtClean="0">
               <a:latin typeface="Times New Roman" panose="02020603050405020304" pitchFamily="18" charset="0"/>
               <a:cs typeface="Times New Roman" panose="02020603050405020304" pitchFamily="18" charset="0"/>
             </a:endParaRPr>
           </a:p>
           <a:p>
-            <a:pPr marL="342900" indent="-342900">
+            <a:pPr marL="342900" indent="-342900" algn="just">
               <a:buFont typeface="Arial" panose="020B0604020202020204" pitchFamily="34" charset="0"/>
               <a:buChar char="•"/>
             </a:pPr>
             <a:r>
-              <a:rPr lang="pt-BR" dirty="0" smtClean="0">
+              <a:rPr lang="pt-BR" sz="2600" dirty="0" smtClean="0">
                 <a:latin typeface="Times New Roman" panose="02020603050405020304" pitchFamily="18" charset="0"/>
                 <a:cs typeface="Times New Roman" panose="02020603050405020304" pitchFamily="18" charset="0"/>
               </a:rPr>
@@ -6849,18 +6891,18 @@
             </a:r>
           </a:p>
           <a:p>
-            <a:pPr marL="342900" indent="-342900">
+            <a:pPr marL="342900" indent="-342900" algn="just">
               <a:buFont typeface="Arial" panose="020B0604020202020204" pitchFamily="34" charset="0"/>
               <a:buChar char="•"/>
             </a:pPr>
             <a:r>
-              <a:rPr lang="pt-BR" dirty="0" err="1" smtClean="0">
+              <a:rPr lang="pt-BR" sz="2600" dirty="0" err="1" smtClean="0">
                 <a:latin typeface="Times New Roman" panose="02020603050405020304" pitchFamily="18" charset="0"/>
                 <a:cs typeface="Times New Roman" panose="02020603050405020304" pitchFamily="18" charset="0"/>
               </a:rPr>
               <a:t>permissions</a:t>
             </a:r>
-            <a:endParaRPr lang="pt-BR" dirty="0">
+            <a:endParaRPr lang="pt-BR" sz="2600" dirty="0">
               <a:latin typeface="Times New Roman" panose="02020603050405020304" pitchFamily="18" charset="0"/>
               <a:cs typeface="Times New Roman" panose="02020603050405020304" pitchFamily="18" charset="0"/>
             </a:endParaRPr>
@@ -7010,14 +7052,7 @@
             </a:r>
             <a:r>
               <a:rPr lang="pt-BR" sz="2800" b="1" dirty="0"/>
-              <a:t/>
-            </a:r>
-            <a:br>
-              <a:rPr lang="pt-BR" sz="2800" b="1" dirty="0"/>
-            </a:br>
-            <a:r>
-              <a:rPr lang="pt-BR" sz="2800" b="1" dirty="0" smtClean="0"/>
-              <a:t>	</a:t>
+              <a:t> </a:t>
             </a:r>
             <a:r>
               <a:rPr lang="pt-BR" sz="2800" b="1" dirty="0" err="1" smtClean="0"/>
@@ -7057,22 +7092,34 @@
           </a:bodyPr>
           <a:lstStyle/>
           <a:p>
-            <a:r>
-              <a:rPr lang="pt-BR" sz="2400" b="0" dirty="0">
-                <a:latin typeface="Times New Roman" panose="02020603050405020304" pitchFamily="18" charset="0"/>
-                <a:cs typeface="Times New Roman" panose="02020603050405020304" pitchFamily="18" charset="0"/>
-              </a:rPr>
-              <a:t>	Atributos definidos especialmente para compartilhar informações </a:t>
-            </a:r>
-            <a:r>
-              <a:rPr lang="pt-BR" sz="2400" b="0" dirty="0" smtClean="0">
+            <a:pPr algn="just">
+              <a:lnSpc>
+                <a:spcPct val="150000"/>
+              </a:lnSpc>
+            </a:pPr>
+            <a:r>
+              <a:rPr lang="pt-BR" sz="2600" b="0" dirty="0" smtClean="0">
+                <a:latin typeface="Times New Roman" panose="02020603050405020304" pitchFamily="18" charset="0"/>
+                <a:cs typeface="Times New Roman" panose="02020603050405020304" pitchFamily="18" charset="0"/>
+              </a:rPr>
+              <a:t>Atributos </a:t>
+            </a:r>
+            <a:r>
+              <a:rPr lang="pt-BR" sz="2600" b="0" dirty="0">
+                <a:latin typeface="Times New Roman" panose="02020603050405020304" pitchFamily="18" charset="0"/>
+                <a:cs typeface="Times New Roman" panose="02020603050405020304" pitchFamily="18" charset="0"/>
+              </a:rPr>
+              <a:t>definidos especialmente para compartilhar informações </a:t>
+            </a:r>
+            <a:r>
+              <a:rPr lang="pt-BR" sz="2600" b="0" dirty="0" smtClean="0">
                 <a:latin typeface="Times New Roman" panose="02020603050405020304" pitchFamily="18" charset="0"/>
                 <a:cs typeface="Times New Roman" panose="02020603050405020304" pitchFamily="18" charset="0"/>
               </a:rPr>
               <a:t>internas entre </a:t>
             </a:r>
             <a:r>
-              <a:rPr lang="pt-BR" sz="2400" b="0" dirty="0">
+              <a:rPr lang="pt-BR" sz="2600" b="0" dirty="0">
                 <a:latin typeface="Times New Roman" panose="02020603050405020304" pitchFamily="18" charset="0"/>
                 <a:cs typeface="Times New Roman" panose="02020603050405020304" pitchFamily="18" charset="0"/>
               </a:rPr>
@@ -7229,8 +7276,8 @@
         </p:nvSpPr>
         <p:spPr>
           <a:xfrm>
-            <a:off x="611560" y="1988840"/>
-            <a:ext cx="7776864" cy="3384376"/>
+            <a:off x="307975" y="1988840"/>
+            <a:ext cx="8296473" cy="3384376"/>
           </a:xfrm>
         </p:spPr>
         <p:txBody>
@@ -7239,51 +7286,62 @@
           </a:bodyPr>
           <a:lstStyle/>
           <a:p>
-            <a:pPr algn="just"/>
-            <a:r>
-              <a:rPr lang="pt-BR" sz="2400" b="0" dirty="0" smtClean="0">
-                <a:latin typeface="Times New Roman" panose="02020603050405020304" pitchFamily="18" charset="0"/>
-                <a:cs typeface="Times New Roman" panose="02020603050405020304" pitchFamily="18" charset="0"/>
-              </a:rPr>
-              <a:t>	No módulo </a:t>
-            </a:r>
-            <a:r>
-              <a:rPr lang="pt-BR" sz="2400" b="0" dirty="0">
+            <a:pPr algn="just">
+              <a:lnSpc>
+                <a:spcPct val="150000"/>
+              </a:lnSpc>
+            </a:pPr>
+            <a:r>
+              <a:rPr lang="pt-BR" sz="2600" b="0" dirty="0" smtClean="0">
+                <a:latin typeface="Times New Roman" panose="02020603050405020304" pitchFamily="18" charset="0"/>
+                <a:cs typeface="Times New Roman" panose="02020603050405020304" pitchFamily="18" charset="0"/>
+              </a:rPr>
+              <a:t>No </a:t>
+            </a:r>
+            <a:r>
+              <a:rPr lang="pt-BR" sz="2600" b="0" dirty="0" smtClean="0">
+                <a:latin typeface="Times New Roman" panose="02020603050405020304" pitchFamily="18" charset="0"/>
+                <a:cs typeface="Times New Roman" panose="02020603050405020304" pitchFamily="18" charset="0"/>
+              </a:rPr>
+              <a:t>módulo </a:t>
+            </a:r>
+            <a:r>
+              <a:rPr lang="pt-BR" sz="2600" b="0" dirty="0">
                 <a:latin typeface="Times New Roman" pitchFamily="18" charset="0"/>
                 <a:cs typeface="Times New Roman" pitchFamily="18" charset="0"/>
               </a:rPr>
               <a:t>2, realizamos nosso primeiro CRUD, iniciamos o entendimento do </a:t>
             </a:r>
             <a:r>
-              <a:rPr lang="pt-BR" sz="2400" b="0" dirty="0" err="1">
+              <a:rPr lang="pt-BR" sz="2600" b="0" dirty="0" err="1">
                 <a:latin typeface="Times New Roman" pitchFamily="18" charset="0"/>
                 <a:cs typeface="Times New Roman" pitchFamily="18" charset="0"/>
               </a:rPr>
               <a:t>PrimeNG</a:t>
             </a:r>
             <a:r>
-              <a:rPr lang="pt-BR" sz="2400" b="0" dirty="0">
+              <a:rPr lang="pt-BR" sz="2600" b="0" dirty="0">
                 <a:latin typeface="Times New Roman" pitchFamily="18" charset="0"/>
                 <a:cs typeface="Times New Roman" pitchFamily="18" charset="0"/>
               </a:rPr>
               <a:t> com um exercício prático e implementamos uma camada de autorização para uma tela de </a:t>
             </a:r>
             <a:r>
-              <a:rPr lang="pt-BR" sz="2400" b="0" dirty="0" err="1">
+              <a:rPr lang="pt-BR" sz="2600" b="0" dirty="0" err="1">
                 <a:latin typeface="Times New Roman" pitchFamily="18" charset="0"/>
                 <a:cs typeface="Times New Roman" pitchFamily="18" charset="0"/>
               </a:rPr>
               <a:t>login</a:t>
             </a:r>
             <a:r>
-              <a:rPr lang="pt-BR" sz="2400" b="0" dirty="0">
+              <a:rPr lang="pt-BR" sz="2600" b="0" dirty="0">
                 <a:latin typeface="Times New Roman" pitchFamily="18" charset="0"/>
                 <a:cs typeface="Times New Roman" pitchFamily="18" charset="0"/>
               </a:rPr>
               <a:t> com o controle de exibição de menu</a:t>
             </a:r>
             <a:r>
-              <a:rPr lang="pt-BR" sz="2400" b="0" dirty="0" smtClean="0">
+              <a:rPr lang="pt-BR" sz="2600" b="0" dirty="0" smtClean="0">
                 <a:latin typeface="Times New Roman" pitchFamily="18" charset="0"/>
                 <a:cs typeface="Times New Roman" pitchFamily="18" charset="0"/>
               </a:rPr>
@@ -7554,8 +7612,8 @@
         </p:nvSpPr>
         <p:spPr>
           <a:xfrm>
-            <a:off x="395536" y="1916832"/>
-            <a:ext cx="8077755" cy="1296144"/>
+            <a:off x="251522" y="1916832"/>
+            <a:ext cx="8221770" cy="1296144"/>
           </a:xfrm>
         </p:spPr>
         <p:txBody>
@@ -7564,43 +7622,51 @@
           </a:bodyPr>
           <a:lstStyle/>
           <a:p>
-            <a:r>
-              <a:rPr lang="pt-BR" sz="2400" b="0" dirty="0">
-                <a:latin typeface="Times New Roman" panose="02020603050405020304" pitchFamily="18" charset="0"/>
-                <a:cs typeface="Times New Roman" panose="02020603050405020304" pitchFamily="18" charset="0"/>
-              </a:rPr>
-              <a:t>	Finalmente na </a:t>
-            </a:r>
-            <a:r>
-              <a:rPr lang="pt-BR" sz="2400" b="0" dirty="0" err="1">
+            <a:pPr algn="just"/>
+            <a:r>
+              <a:rPr lang="pt-BR" sz="2600" b="0" dirty="0" smtClean="0">
+                <a:latin typeface="Times New Roman" panose="02020603050405020304" pitchFamily="18" charset="0"/>
+                <a:cs typeface="Times New Roman" panose="02020603050405020304" pitchFamily="18" charset="0"/>
+              </a:rPr>
+              <a:t>Finalmente </a:t>
+            </a:r>
+            <a:r>
+              <a:rPr lang="pt-BR" sz="2600" b="0" dirty="0">
+                <a:latin typeface="Times New Roman" panose="02020603050405020304" pitchFamily="18" charset="0"/>
+                <a:cs typeface="Times New Roman" panose="02020603050405020304" pitchFamily="18" charset="0"/>
+              </a:rPr>
+              <a:t>na </a:t>
+            </a:r>
+            <a:r>
+              <a:rPr lang="pt-BR" sz="2600" b="0" dirty="0" err="1">
                 <a:latin typeface="Times New Roman" panose="02020603050405020304" pitchFamily="18" charset="0"/>
                 <a:cs typeface="Times New Roman" panose="02020603050405020304" pitchFamily="18" charset="0"/>
               </a:rPr>
               <a:t>signature</a:t>
             </a:r>
             <a:r>
-              <a:rPr lang="pt-BR" sz="2400" b="0" dirty="0">
+              <a:rPr lang="pt-BR" sz="2600" b="0" dirty="0">
                 <a:latin typeface="Times New Roman" panose="02020603050405020304" pitchFamily="18" charset="0"/>
                 <a:cs typeface="Times New Roman" panose="02020603050405020304" pitchFamily="18" charset="0"/>
               </a:rPr>
               <a:t> (assinatura) os dados de header e </a:t>
             </a:r>
             <a:r>
-              <a:rPr lang="pt-BR" sz="2400" b="0" dirty="0" err="1">
+              <a:rPr lang="pt-BR" sz="2600" b="0" dirty="0" err="1">
                 <a:latin typeface="Times New Roman" panose="02020603050405020304" pitchFamily="18" charset="0"/>
                 <a:cs typeface="Times New Roman" panose="02020603050405020304" pitchFamily="18" charset="0"/>
               </a:rPr>
               <a:t>payload</a:t>
             </a:r>
             <a:r>
-              <a:rPr lang="pt-BR" sz="2400" b="0" dirty="0">
+              <a:rPr lang="pt-BR" sz="2600" b="0" dirty="0">
                 <a:latin typeface="Times New Roman" panose="02020603050405020304" pitchFamily="18" charset="0"/>
                 <a:cs typeface="Times New Roman" panose="02020603050405020304" pitchFamily="18" charset="0"/>
               </a:rPr>
               <a:t> codificados em base 64 e unidos por . (ponto) para serem assinados usando o algoritmo definido no </a:t>
             </a:r>
             <a:r>
-              <a:rPr lang="pt-BR" sz="2400" b="0" dirty="0" smtClean="0">
+              <a:rPr lang="pt-BR" sz="2600" b="0" dirty="0" smtClean="0">
                 <a:latin typeface="Times New Roman" panose="02020603050405020304" pitchFamily="18" charset="0"/>
                 <a:cs typeface="Times New Roman" panose="02020603050405020304" pitchFamily="18" charset="0"/>
               </a:rPr>
@@ -7768,8 +7834,8 @@
         </p:nvSpPr>
         <p:spPr>
           <a:xfrm>
-            <a:off x="526693" y="5013176"/>
-            <a:ext cx="8077755" cy="1296144"/>
+            <a:off x="251521" y="5013176"/>
+            <a:ext cx="8352928" cy="1296144"/>
           </a:xfrm>
           <a:prstGeom prst="rect">
             <a:avLst/>
@@ -7944,29 +8010,37 @@
             </a:lvl9pPr>
           </a:lstStyle>
           <a:p>
-            <a:r>
-              <a:rPr lang="pt-BR" sz="2400" b="0" dirty="0">
-                <a:latin typeface="Times New Roman" panose="02020603050405020304" pitchFamily="18" charset="0"/>
-                <a:cs typeface="Times New Roman" panose="02020603050405020304" pitchFamily="18" charset="0"/>
-              </a:rPr>
-              <a:t>	Com a assinatura é possível verificar se o </a:t>
-            </a:r>
-            <a:r>
-              <a:rPr lang="pt-BR" sz="2400" b="0" dirty="0" err="1">
+            <a:pPr algn="just"/>
+            <a:r>
+              <a:rPr lang="pt-BR" sz="2600" b="0" dirty="0" smtClean="0">
+                <a:latin typeface="Times New Roman" panose="02020603050405020304" pitchFamily="18" charset="0"/>
+                <a:cs typeface="Times New Roman" panose="02020603050405020304" pitchFamily="18" charset="0"/>
+              </a:rPr>
+              <a:t>Com </a:t>
+            </a:r>
+            <a:r>
+              <a:rPr lang="pt-BR" sz="2600" b="0" dirty="0">
+                <a:latin typeface="Times New Roman" panose="02020603050405020304" pitchFamily="18" charset="0"/>
+                <a:cs typeface="Times New Roman" panose="02020603050405020304" pitchFamily="18" charset="0"/>
+              </a:rPr>
+              <a:t>a assinatura é possível verificar se o </a:t>
+            </a:r>
+            <a:r>
+              <a:rPr lang="pt-BR" sz="2600" b="0" dirty="0" err="1">
                 <a:latin typeface="Times New Roman" panose="02020603050405020304" pitchFamily="18" charset="0"/>
                 <a:cs typeface="Times New Roman" panose="02020603050405020304" pitchFamily="18" charset="0"/>
               </a:rPr>
               <a:t>token</a:t>
             </a:r>
             <a:r>
-              <a:rPr lang="pt-BR" sz="2400" b="0" dirty="0">
+              <a:rPr lang="pt-BR" sz="2600" b="0" dirty="0">
                 <a:latin typeface="Times New Roman" panose="02020603050405020304" pitchFamily="18" charset="0"/>
                 <a:cs typeface="Times New Roman" panose="02020603050405020304" pitchFamily="18" charset="0"/>
               </a:rPr>
               <a:t> não foi alterado no caminho, garantindo sua integridade. Com ela também é possível confirmar a autenticidade de sua </a:t>
             </a:r>
             <a:r>
-              <a:rPr lang="pt-BR" sz="2400" b="0" dirty="0" smtClean="0">
+              <a:rPr lang="pt-BR" sz="2600" b="0" dirty="0" smtClean="0">
                 <a:latin typeface="Times New Roman" panose="02020603050405020304" pitchFamily="18" charset="0"/>
                 <a:cs typeface="Times New Roman" panose="02020603050405020304" pitchFamily="18" charset="0"/>
               </a:rPr>
@@ -8063,8 +8137,8 @@
         </p:nvSpPr>
         <p:spPr>
           <a:xfrm>
-            <a:off x="395536" y="1916832"/>
-            <a:ext cx="8077755" cy="1296144"/>
+            <a:off x="251520" y="1916832"/>
+            <a:ext cx="8221771" cy="1296144"/>
           </a:xfrm>
         </p:spPr>
         <p:txBody>
@@ -8073,43 +8147,51 @@
           </a:bodyPr>
           <a:lstStyle/>
           <a:p>
-            <a:r>
-              <a:rPr lang="pt-BR" sz="2400" b="0" dirty="0">
-                <a:latin typeface="Times New Roman" panose="02020603050405020304" pitchFamily="18" charset="0"/>
-                <a:cs typeface="Times New Roman" panose="02020603050405020304" pitchFamily="18" charset="0"/>
-              </a:rPr>
-              <a:t>	Finalmente na </a:t>
-            </a:r>
-            <a:r>
-              <a:rPr lang="pt-BR" sz="2400" b="0" dirty="0" err="1">
+            <a:pPr algn="just"/>
+            <a:r>
+              <a:rPr lang="pt-BR" sz="2600" b="0" dirty="0" smtClean="0">
+                <a:latin typeface="Times New Roman" panose="02020603050405020304" pitchFamily="18" charset="0"/>
+                <a:cs typeface="Times New Roman" panose="02020603050405020304" pitchFamily="18" charset="0"/>
+              </a:rPr>
+              <a:t>Finalmente </a:t>
+            </a:r>
+            <a:r>
+              <a:rPr lang="pt-BR" sz="2600" b="0" dirty="0">
+                <a:latin typeface="Times New Roman" panose="02020603050405020304" pitchFamily="18" charset="0"/>
+                <a:cs typeface="Times New Roman" panose="02020603050405020304" pitchFamily="18" charset="0"/>
+              </a:rPr>
+              <a:t>na </a:t>
+            </a:r>
+            <a:r>
+              <a:rPr lang="pt-BR" sz="2600" b="0" dirty="0" err="1">
                 <a:latin typeface="Times New Roman" panose="02020603050405020304" pitchFamily="18" charset="0"/>
                 <a:cs typeface="Times New Roman" panose="02020603050405020304" pitchFamily="18" charset="0"/>
               </a:rPr>
               <a:t>signature</a:t>
             </a:r>
             <a:r>
-              <a:rPr lang="pt-BR" sz="2400" b="0" dirty="0">
+              <a:rPr lang="pt-BR" sz="2600" b="0" dirty="0">
                 <a:latin typeface="Times New Roman" panose="02020603050405020304" pitchFamily="18" charset="0"/>
                 <a:cs typeface="Times New Roman" panose="02020603050405020304" pitchFamily="18" charset="0"/>
               </a:rPr>
               <a:t> (assinatura) os dados de header e </a:t>
             </a:r>
             <a:r>
-              <a:rPr lang="pt-BR" sz="2400" b="0" dirty="0" err="1">
+              <a:rPr lang="pt-BR" sz="2600" b="0" dirty="0" err="1">
                 <a:latin typeface="Times New Roman" panose="02020603050405020304" pitchFamily="18" charset="0"/>
                 <a:cs typeface="Times New Roman" panose="02020603050405020304" pitchFamily="18" charset="0"/>
               </a:rPr>
               <a:t>payload</a:t>
             </a:r>
             <a:r>
-              <a:rPr lang="pt-BR" sz="2400" b="0" dirty="0">
+              <a:rPr lang="pt-BR" sz="2600" b="0" dirty="0">
                 <a:latin typeface="Times New Roman" panose="02020603050405020304" pitchFamily="18" charset="0"/>
                 <a:cs typeface="Times New Roman" panose="02020603050405020304" pitchFamily="18" charset="0"/>
               </a:rPr>
               <a:t> codificados em base 64 e unidos por . (ponto) para serem assinados usando o algoritmo definido no </a:t>
             </a:r>
             <a:r>
-              <a:rPr lang="pt-BR" sz="2400" b="0" dirty="0" smtClean="0">
+              <a:rPr lang="pt-BR" sz="2600" b="0" dirty="0" smtClean="0">
                 <a:latin typeface="Times New Roman" panose="02020603050405020304" pitchFamily="18" charset="0"/>
                 <a:cs typeface="Times New Roman" panose="02020603050405020304" pitchFamily="18" charset="0"/>
               </a:rPr>
@@ -8277,8 +8359,8 @@
         </p:nvSpPr>
         <p:spPr>
           <a:xfrm>
-            <a:off x="526693" y="5013176"/>
-            <a:ext cx="8077755" cy="1296144"/>
+            <a:off x="251521" y="5013176"/>
+            <a:ext cx="8352928" cy="1296144"/>
           </a:xfrm>
           <a:prstGeom prst="rect">
             <a:avLst/>
@@ -8453,29 +8535,37 @@
             </a:lvl9pPr>
           </a:lstStyle>
           <a:p>
-            <a:r>
-              <a:rPr lang="pt-BR" sz="2400" b="0" dirty="0">
-                <a:latin typeface="Times New Roman" panose="02020603050405020304" pitchFamily="18" charset="0"/>
-                <a:cs typeface="Times New Roman" panose="02020603050405020304" pitchFamily="18" charset="0"/>
-              </a:rPr>
-              <a:t>	Com a assinatura é possível verificar se o </a:t>
-            </a:r>
-            <a:r>
-              <a:rPr lang="pt-BR" sz="2400" b="0" dirty="0" err="1">
+            <a:pPr algn="just"/>
+            <a:r>
+              <a:rPr lang="pt-BR" sz="2600" b="0" dirty="0" smtClean="0">
+                <a:latin typeface="Times New Roman" panose="02020603050405020304" pitchFamily="18" charset="0"/>
+                <a:cs typeface="Times New Roman" panose="02020603050405020304" pitchFamily="18" charset="0"/>
+              </a:rPr>
+              <a:t>Com </a:t>
+            </a:r>
+            <a:r>
+              <a:rPr lang="pt-BR" sz="2600" b="0" dirty="0">
+                <a:latin typeface="Times New Roman" panose="02020603050405020304" pitchFamily="18" charset="0"/>
+                <a:cs typeface="Times New Roman" panose="02020603050405020304" pitchFamily="18" charset="0"/>
+              </a:rPr>
+              <a:t>a assinatura é possível verificar se o </a:t>
+            </a:r>
+            <a:r>
+              <a:rPr lang="pt-BR" sz="2600" b="0" dirty="0" err="1">
                 <a:latin typeface="Times New Roman" panose="02020603050405020304" pitchFamily="18" charset="0"/>
                 <a:cs typeface="Times New Roman" panose="02020603050405020304" pitchFamily="18" charset="0"/>
               </a:rPr>
               <a:t>token</a:t>
             </a:r>
             <a:r>
-              <a:rPr lang="pt-BR" sz="2400" b="0" dirty="0">
+              <a:rPr lang="pt-BR" sz="2600" b="0" dirty="0">
                 <a:latin typeface="Times New Roman" panose="02020603050405020304" pitchFamily="18" charset="0"/>
                 <a:cs typeface="Times New Roman" panose="02020603050405020304" pitchFamily="18" charset="0"/>
               </a:rPr>
               <a:t> não foi alterado no caminho, garantindo sua integridade. Com ela também é possível confirmar a autenticidade de sua </a:t>
             </a:r>
             <a:r>
-              <a:rPr lang="pt-BR" sz="2400" b="0" dirty="0" smtClean="0">
+              <a:rPr lang="pt-BR" sz="2600" b="0" dirty="0" smtClean="0">
                 <a:latin typeface="Times New Roman" panose="02020603050405020304" pitchFamily="18" charset="0"/>
                 <a:cs typeface="Times New Roman" panose="02020603050405020304" pitchFamily="18" charset="0"/>
               </a:rPr>
@@ -8769,7 +8859,7 @@
         </p:blipFill>
         <p:spPr bwMode="auto">
           <a:xfrm>
-            <a:off x="-36512" y="1380748"/>
+            <a:off x="251520" y="1380748"/>
             <a:ext cx="8424936" cy="5492456"/>
           </a:xfrm>
           <a:prstGeom prst="rect">
@@ -9666,36 +9756,45 @@
             <p:ph idx="1"/>
           </p:nvPr>
         </p:nvSpPr>
-        <p:spPr/>
-        <p:txBody>
-          <a:bodyPr/>
+        <p:spPr>
+          <a:xfrm>
+            <a:off x="251520" y="1752600"/>
+            <a:ext cx="7825680" cy="4373563"/>
+          </a:xfrm>
+        </p:spPr>
+        <p:txBody>
+          <a:bodyPr>
+            <a:normAutofit/>
+          </a:bodyPr>
           <a:lstStyle/>
           <a:p>
             <a:pPr marL="274320" lvl="1" indent="0">
               <a:buNone/>
             </a:pPr>
-            <a:r>
-              <a:rPr lang="pt-BR" b="0" dirty="0" smtClean="0">
-                <a:latin typeface="Times New Roman" panose="02020603050405020304" pitchFamily="18" charset="0"/>
-                <a:cs typeface="Times New Roman" panose="02020603050405020304" pitchFamily="18" charset="0"/>
-              </a:rPr>
-              <a:t>	</a:t>
-            </a:r>
-            <a:r>
-              <a:rPr lang="pt-BR" b="1" dirty="0" smtClean="0">
-                <a:latin typeface="Times New Roman" panose="02020603050405020304" pitchFamily="18" charset="0"/>
-                <a:cs typeface="Times New Roman" panose="02020603050405020304" pitchFamily="18" charset="0"/>
-              </a:rPr>
-              <a:t>Realizar o exercício final da Lista de Exercícios</a:t>
-            </a:r>
-            <a:r>
-              <a:rPr lang="pt-BR" b="0" dirty="0" smtClean="0">
-                <a:latin typeface="Times New Roman" panose="02020603050405020304" pitchFamily="18" charset="0"/>
-                <a:cs typeface="Times New Roman" panose="02020603050405020304" pitchFamily="18" charset="0"/>
-              </a:rPr>
-              <a:t>.</a:t>
-            </a:r>
-            <a:endParaRPr lang="pt-BR" dirty="0"/>
+            <a:endParaRPr lang="pt-BR" sz="2600" dirty="0" smtClean="0">
+              <a:latin typeface="Times New Roman" panose="02020603050405020304" pitchFamily="18" charset="0"/>
+              <a:cs typeface="Times New Roman" panose="02020603050405020304" pitchFamily="18" charset="0"/>
+            </a:endParaRPr>
+          </a:p>
+          <a:p>
+            <a:pPr marL="274320" lvl="1" indent="0">
+              <a:buNone/>
+            </a:pPr>
+            <a:r>
+              <a:rPr lang="pt-BR" sz="2600" dirty="0" smtClean="0">
+                <a:latin typeface="Times New Roman" panose="02020603050405020304" pitchFamily="18" charset="0"/>
+                <a:cs typeface="Times New Roman" panose="02020603050405020304" pitchFamily="18" charset="0"/>
+              </a:rPr>
+              <a:t>Realizar </a:t>
+            </a:r>
+            <a:r>
+              <a:rPr lang="pt-BR" sz="2600" dirty="0" smtClean="0">
+                <a:latin typeface="Times New Roman" panose="02020603050405020304" pitchFamily="18" charset="0"/>
+                <a:cs typeface="Times New Roman" panose="02020603050405020304" pitchFamily="18" charset="0"/>
+              </a:rPr>
+              <a:t>o exercício final da Lista de Exercícios.</a:t>
+            </a:r>
+            <a:endParaRPr lang="pt-BR" sz="2600" dirty="0"/>
           </a:p>
         </p:txBody>
       </p:sp>
@@ -9854,14 +9953,14 @@
       </p:sp>
       <p:sp>
         <p:nvSpPr>
-          <p:cNvPr id="6" name="CaixaDeTexto 5"/>
+          <p:cNvPr id="8" name="CaixaDeTexto 7"/>
           <p:cNvSpPr txBox="1"/>
           <p:nvPr/>
         </p:nvSpPr>
         <p:spPr>
           <a:xfrm>
-            <a:off x="7008673" y="5771040"/>
-            <a:ext cx="1817549" cy="369332"/>
+            <a:off x="2800095" y="3573016"/>
+            <a:ext cx="5328036" cy="646331"/>
           </a:xfrm>
           <a:prstGeom prst="rect">
             <a:avLst/>
@@ -9869,83 +9968,7 @@
           <a:noFill/>
         </p:spPr>
         <p:txBody>
-          <a:bodyPr wrap="none" rtlCol="0">
-            <a:spAutoFit/>
-          </a:bodyPr>
-          <a:lstStyle/>
-          <a:p>
-            <a:r>
-              <a:rPr lang="pt-BR" b="1" dirty="0" smtClean="0">
-                <a:solidFill>
-                  <a:schemeClr val="bg1"/>
-                </a:solidFill>
-              </a:rPr>
-              <a:t>Roney Amorim</a:t>
-            </a:r>
-            <a:endParaRPr lang="pt-BR" b="1" dirty="0">
-              <a:solidFill>
-                <a:schemeClr val="bg1"/>
-              </a:solidFill>
-            </a:endParaRPr>
-          </a:p>
-        </p:txBody>
-      </p:sp>
-      <p:sp>
-        <p:nvSpPr>
-          <p:cNvPr id="7" name="CaixaDeTexto 6"/>
-          <p:cNvSpPr txBox="1"/>
-          <p:nvPr/>
-        </p:nvSpPr>
-        <p:spPr>
-          <a:xfrm>
-            <a:off x="6111056" y="6165304"/>
-            <a:ext cx="2826415" cy="369332"/>
-          </a:xfrm>
-          <a:prstGeom prst="rect">
-            <a:avLst/>
-          </a:prstGeom>
-          <a:noFill/>
-        </p:spPr>
-        <p:txBody>
-          <a:bodyPr wrap="none" rtlCol="0">
-            <a:spAutoFit/>
-          </a:bodyPr>
-          <a:lstStyle/>
-          <a:p>
-            <a:r>
-              <a:rPr lang="pt-BR" b="1" dirty="0" smtClean="0">
-                <a:solidFill>
-                  <a:schemeClr val="bg1"/>
-                </a:solidFill>
-              </a:rPr>
-              <a:t>Engenheiro de Software</a:t>
-            </a:r>
-            <a:endParaRPr lang="pt-BR" b="1" dirty="0">
-              <a:solidFill>
-                <a:schemeClr val="bg1"/>
-              </a:solidFill>
-            </a:endParaRPr>
-          </a:p>
-        </p:txBody>
-      </p:sp>
-      <p:sp>
-        <p:nvSpPr>
-          <p:cNvPr id="8" name="CaixaDeTexto 7"/>
-          <p:cNvSpPr txBox="1"/>
-          <p:nvPr/>
-        </p:nvSpPr>
-        <p:spPr>
-          <a:xfrm>
-            <a:off x="2800095" y="3418707"/>
-            <a:ext cx="4408258" cy="646331"/>
-          </a:xfrm>
-          <a:prstGeom prst="rect">
-            <a:avLst/>
-          </a:prstGeom>
-          <a:noFill/>
-        </p:spPr>
-        <p:txBody>
-          <a:bodyPr wrap="none" rtlCol="0">
+          <a:bodyPr wrap="square" rtlCol="0">
             <a:spAutoFit/>
           </a:bodyPr>
           <a:lstStyle/>
@@ -10051,8 +10074,8 @@
         </p:nvSpPr>
         <p:spPr>
           <a:xfrm>
-            <a:off x="611560" y="1988840"/>
-            <a:ext cx="7776864" cy="3384376"/>
+            <a:off x="307975" y="1988840"/>
+            <a:ext cx="8080449" cy="3384376"/>
           </a:xfrm>
         </p:spPr>
         <p:txBody>
@@ -10061,61 +10084,62 @@
           </a:bodyPr>
           <a:lstStyle/>
           <a:p>
-            <a:pPr algn="just"/>
-            <a:r>
-              <a:rPr lang="pt-BR" sz="2400" b="0" dirty="0" smtClean="0">
-                <a:latin typeface="Times New Roman" panose="02020603050405020304" pitchFamily="18" charset="0"/>
-                <a:cs typeface="Times New Roman" panose="02020603050405020304" pitchFamily="18" charset="0"/>
-              </a:rPr>
-              <a:t>	</a:t>
-            </a:r>
-            <a:r>
-              <a:rPr lang="pt-BR" sz="2400" b="0" dirty="0">
+            <a:pPr algn="just">
+              <a:lnSpc>
+                <a:spcPct val="150000"/>
+              </a:lnSpc>
+            </a:pPr>
+            <a:r>
+              <a:rPr lang="pt-BR" sz="2600" b="0" dirty="0" smtClean="0">
                 <a:latin typeface="Times New Roman" pitchFamily="18" charset="0"/>
                 <a:cs typeface="Times New Roman" pitchFamily="18" charset="0"/>
               </a:rPr>
-              <a:t>Neste módulo trabalharemos com camadas de serviços e autenticação com padrão </a:t>
-            </a:r>
-            <a:r>
-              <a:rPr lang="pt-BR" sz="2400" b="0" dirty="0" smtClean="0">
+              <a:t>Neste </a:t>
+            </a:r>
+            <a:r>
+              <a:rPr lang="pt-BR" sz="2600" b="0" dirty="0">
                 <a:latin typeface="Times New Roman" pitchFamily="18" charset="0"/>
                 <a:cs typeface="Times New Roman" pitchFamily="18" charset="0"/>
               </a:rPr>
-              <a:t>JWT.</a:t>
-            </a:r>
-          </a:p>
-          <a:p>
-            <a:pPr algn="just"/>
-            <a:r>
-              <a:rPr lang="pt-BR" sz="2400" b="0" dirty="0">
+              <a:t>módulo trabalharemos com camadas de serviços e autenticação com padrão </a:t>
+            </a:r>
+            <a:r>
+              <a:rPr lang="pt-BR" sz="2600" b="0" dirty="0" smtClean="0">
                 <a:latin typeface="Times New Roman" pitchFamily="18" charset="0"/>
                 <a:cs typeface="Times New Roman" pitchFamily="18" charset="0"/>
               </a:rPr>
-              <a:t>	</a:t>
-            </a:r>
-            <a:r>
-              <a:rPr lang="pt-BR" sz="2400" b="0" dirty="0" smtClean="0">
+              <a:t>JWT.</a:t>
+            </a:r>
+          </a:p>
+          <a:p>
+            <a:pPr algn="just">
+              <a:lnSpc>
+                <a:spcPct val="150000"/>
+              </a:lnSpc>
+            </a:pPr>
+            <a:r>
+              <a:rPr lang="pt-BR" sz="2600" b="0" dirty="0" smtClean="0">
                 <a:latin typeface="Times New Roman" pitchFamily="18" charset="0"/>
                 <a:cs typeface="Times New Roman" pitchFamily="18" charset="0"/>
               </a:rPr>
               <a:t>Primeiramente</a:t>
             </a:r>
             <a:r>
-              <a:rPr lang="pt-BR" sz="2400" b="0" dirty="0">
+              <a:rPr lang="pt-BR" sz="2600" b="0" dirty="0">
                 <a:latin typeface="Times New Roman" pitchFamily="18" charset="0"/>
                 <a:cs typeface="Times New Roman" pitchFamily="18" charset="0"/>
               </a:rPr>
               <a:t>, vamos entender o que é e como funciona o Gerenciador de Requisição </a:t>
             </a:r>
             <a:r>
-              <a:rPr lang="pt-BR" sz="2400" b="0" dirty="0" err="1" smtClean="0">
+              <a:rPr lang="pt-BR" sz="2600" b="0" dirty="0" err="1" smtClean="0">
                 <a:latin typeface="Times New Roman" pitchFamily="18" charset="0"/>
                 <a:cs typeface="Times New Roman" pitchFamily="18" charset="0"/>
               </a:rPr>
               <a:t>HttpClient</a:t>
             </a:r>
             <a:r>
-              <a:rPr lang="pt-BR" sz="2400" b="0" dirty="0" smtClean="0">
+              <a:rPr lang="pt-BR" sz="2600" b="0" dirty="0" smtClean="0">
                 <a:latin typeface="Times New Roman" pitchFamily="18" charset="0"/>
                 <a:cs typeface="Times New Roman" pitchFamily="18" charset="0"/>
               </a:rPr>
@@ -10362,22 +10386,28 @@
           <a:p>
             <a:pPr algn="ctr"/>
             <a:r>
-              <a:rPr lang="pt-BR" sz="4800" b="1" dirty="0" smtClean="0"/>
+              <a:rPr lang="pt-BR" sz="4800" b="1" dirty="0" smtClean="0">
+                <a:latin typeface="Times" pitchFamily="18" charset="0"/>
+              </a:rPr>
               <a:t>HTTP CLIENT</a:t>
             </a:r>
             <a:r>
-              <a:rPr lang="pt-BR" sz="4800" b="1" dirty="0"/>
+              <a:rPr lang="pt-BR" sz="4800" b="1" dirty="0">
+                <a:latin typeface="Times" pitchFamily="18" charset="0"/>
+              </a:rPr>
               <a:t/>
             </a:r>
             <a:br>
-              <a:rPr lang="pt-BR" sz="4800" b="1" dirty="0"/>
+              <a:rPr lang="pt-BR" sz="4800" b="1" dirty="0">
+                <a:latin typeface="Times" pitchFamily="18" charset="0"/>
+              </a:rPr>
             </a:br>
             <a:r>
               <a:rPr lang="pt-BR" sz="2600" b="1" dirty="0" smtClean="0">
                 <a:solidFill>
                   <a:schemeClr val="tx1"/>
                 </a:solidFill>
-                <a:latin typeface="Times New Roman" pitchFamily="18" charset="0"/>
+                <a:latin typeface="Times" pitchFamily="18" charset="0"/>
                 <a:cs typeface="Times New Roman" pitchFamily="18" charset="0"/>
               </a:rPr>
               <a:t/>
@@ -10387,26 +10417,26 @@
                 <a:solidFill>
                   <a:schemeClr val="tx1"/>
                 </a:solidFill>
-                <a:latin typeface="Times New Roman" pitchFamily="18" charset="0"/>
+                <a:latin typeface="Times" pitchFamily="18" charset="0"/>
                 <a:cs typeface="Times New Roman" pitchFamily="18" charset="0"/>
               </a:rPr>
             </a:br>
             <a:r>
-              <a:rPr lang="pt-BR" sz="2600" dirty="0" smtClean="0">
+              <a:rPr lang="pt-BR" sz="2400" dirty="0" smtClean="0">
                 <a:solidFill>
                   <a:schemeClr val="tx1"/>
                 </a:solidFill>
-                <a:latin typeface="Times New Roman" pitchFamily="18" charset="0"/>
+                <a:latin typeface="Times" pitchFamily="18" charset="0"/>
                 <a:cs typeface="Times New Roman" pitchFamily="18" charset="0"/>
               </a:rPr>
               <a:t>introdução ao módulo </a:t>
             </a:r>
             <a:r>
-              <a:rPr lang="pt-BR" sz="2600" dirty="0" err="1" smtClean="0">
+              <a:rPr lang="pt-BR" sz="2400" dirty="0" err="1" smtClean="0">
                 <a:solidFill>
                   <a:schemeClr val="tx1"/>
                 </a:solidFill>
-                <a:latin typeface="Times New Roman" pitchFamily="18" charset="0"/>
+                <a:latin typeface="Times" pitchFamily="18" charset="0"/>
                 <a:cs typeface="Times New Roman" pitchFamily="18" charset="0"/>
               </a:rPr>
               <a:t>http</a:t>
@@ -10597,8 +10627,8 @@
         </p:nvSpPr>
         <p:spPr>
           <a:xfrm>
-            <a:off x="467544" y="1916832"/>
-            <a:ext cx="8424936" cy="4320480"/>
+            <a:off x="251520" y="1916832"/>
+            <a:ext cx="8568952" cy="4536504"/>
           </a:xfrm>
         </p:spPr>
         <p:txBody>
@@ -10609,49 +10639,56 @@
           <a:p>
             <a:pPr algn="just"/>
             <a:r>
-              <a:rPr lang="pt-BR" sz="2400" b="0" dirty="0" smtClean="0">
+              <a:rPr lang="pt-BR" sz="2600" b="0" dirty="0" smtClean="0">
                 <a:latin typeface="Times New Roman" panose="02020603050405020304" pitchFamily="18" charset="0"/>
                 <a:cs typeface="Times New Roman" pitchFamily="18" charset="0"/>
               </a:rPr>
-              <a:t>	Muitas aplicações front-</a:t>
-            </a:r>
-            <a:r>
-              <a:rPr lang="pt-BR" sz="2400" b="0" dirty="0" err="1" smtClean="0">
+              <a:t>Muitas </a:t>
+            </a:r>
+            <a:r>
+              <a:rPr lang="pt-BR" sz="2600" b="0" dirty="0" smtClean="0">
                 <a:latin typeface="Times New Roman" panose="02020603050405020304" pitchFamily="18" charset="0"/>
                 <a:cs typeface="Times New Roman" pitchFamily="18" charset="0"/>
               </a:rPr>
+              <a:t>aplicações front-</a:t>
+            </a:r>
+            <a:r>
+              <a:rPr lang="pt-BR" sz="2600" b="0" dirty="0" err="1" smtClean="0">
+                <a:latin typeface="Times New Roman" panose="02020603050405020304" pitchFamily="18" charset="0"/>
+                <a:cs typeface="Times New Roman" pitchFamily="18" charset="0"/>
+              </a:rPr>
               <a:t>end</a:t>
             </a:r>
             <a:r>
-              <a:rPr lang="pt-BR" sz="2400" b="0" dirty="0" smtClean="0">
+              <a:rPr lang="pt-BR" sz="2600" b="0" dirty="0" smtClean="0">
                 <a:latin typeface="Times New Roman" panose="02020603050405020304" pitchFamily="18" charset="0"/>
                 <a:cs typeface="Times New Roman" pitchFamily="18" charset="0"/>
               </a:rPr>
               <a:t> se comunicam com serviços pelo protocolo HTTP, com isso, o componente </a:t>
             </a:r>
             <a:r>
-              <a:rPr lang="pt-BR" sz="2400" b="0" dirty="0" err="1" smtClean="0">
+              <a:rPr lang="pt-BR" sz="2600" b="0" dirty="0" err="1" smtClean="0">
                 <a:latin typeface="Times New Roman" panose="02020603050405020304" pitchFamily="18" charset="0"/>
                 <a:cs typeface="Times New Roman" pitchFamily="18" charset="0"/>
               </a:rPr>
               <a:t>HttpClient</a:t>
             </a:r>
             <a:r>
-              <a:rPr lang="pt-BR" sz="2400" b="0" dirty="0" smtClean="0">
+              <a:rPr lang="pt-BR" sz="2600" b="0" dirty="0" smtClean="0">
                 <a:latin typeface="Times New Roman" panose="02020603050405020304" pitchFamily="18" charset="0"/>
                 <a:cs typeface="Times New Roman" pitchFamily="18" charset="0"/>
               </a:rPr>
               <a:t> foi criado para dar suporte a uma aplicação Angular para trabalhar com uma API </a:t>
             </a:r>
             <a:r>
-              <a:rPr lang="pt-BR" sz="2400" b="0" dirty="0" err="1" smtClean="0">
+              <a:rPr lang="pt-BR" sz="2600" b="0" dirty="0" err="1" smtClean="0">
                 <a:latin typeface="Times New Roman" panose="02020603050405020304" pitchFamily="18" charset="0"/>
                 <a:cs typeface="Times New Roman" pitchFamily="18" charset="0"/>
               </a:rPr>
               <a:t>Http</a:t>
             </a:r>
             <a:r>
-              <a:rPr lang="pt-BR" sz="2400" b="0" dirty="0" smtClean="0">
+              <a:rPr lang="pt-BR" sz="2600" b="0" dirty="0" smtClean="0">
                 <a:latin typeface="Times New Roman" panose="02020603050405020304" pitchFamily="18" charset="0"/>
                 <a:cs typeface="Times New Roman" pitchFamily="18" charset="0"/>
               </a:rPr>
@@ -10661,49 +10698,56 @@
           <a:p>
             <a:pPr algn="just"/>
             <a:r>
-              <a:rPr lang="pt-BR" sz="2400" b="0" dirty="0" smtClean="0">
+              <a:rPr lang="pt-BR" sz="2600" b="0" dirty="0" smtClean="0">
                 <a:latin typeface="Times New Roman" panose="02020603050405020304" pitchFamily="18" charset="0"/>
                 <a:cs typeface="Times New Roman" pitchFamily="18" charset="0"/>
               </a:rPr>
-              <a:t>	As várias versões do módulo HTTP angular têm uma API baseada em </a:t>
-            </a:r>
-            <a:r>
-              <a:rPr lang="pt-BR" sz="2400" b="0" dirty="0" err="1" smtClean="0">
+              <a:t>As </a:t>
+            </a:r>
+            <a:r>
+              <a:rPr lang="pt-BR" sz="2600" b="0" dirty="0" smtClean="0">
                 <a:latin typeface="Times New Roman" panose="02020603050405020304" pitchFamily="18" charset="0"/>
                 <a:cs typeface="Times New Roman" pitchFamily="18" charset="0"/>
               </a:rPr>
+              <a:t>várias versões do módulo HTTP angular têm uma API baseada em </a:t>
+            </a:r>
+            <a:r>
+              <a:rPr lang="pt-BR" sz="2600" b="0" dirty="0" err="1" smtClean="0">
+                <a:latin typeface="Times New Roman" panose="02020603050405020304" pitchFamily="18" charset="0"/>
+                <a:cs typeface="Times New Roman" pitchFamily="18" charset="0"/>
+              </a:rPr>
               <a:t>Observables</a:t>
             </a:r>
             <a:r>
-              <a:rPr lang="pt-BR" sz="2400" b="0" dirty="0" smtClean="0">
+              <a:rPr lang="pt-BR" sz="2600" b="0" dirty="0" smtClean="0">
                 <a:latin typeface="Times New Roman" panose="02020603050405020304" pitchFamily="18" charset="0"/>
                 <a:cs typeface="Times New Roman" pitchFamily="18" charset="0"/>
               </a:rPr>
               <a:t> </a:t>
             </a:r>
             <a:r>
-              <a:rPr lang="pt-BR" sz="2400" b="0" dirty="0" err="1" smtClean="0">
+              <a:rPr lang="pt-BR" sz="2600" b="0" dirty="0" err="1" smtClean="0">
                 <a:latin typeface="Times New Roman" panose="02020603050405020304" pitchFamily="18" charset="0"/>
                 <a:cs typeface="Times New Roman" pitchFamily="18" charset="0"/>
               </a:rPr>
               <a:t>RxJS</a:t>
             </a:r>
             <a:r>
-              <a:rPr lang="pt-BR" sz="2400" b="0" dirty="0" smtClean="0">
+              <a:rPr lang="pt-BR" sz="2600" b="0" dirty="0" smtClean="0">
                 <a:latin typeface="Times New Roman" panose="02020603050405020304" pitchFamily="18" charset="0"/>
                 <a:cs typeface="Times New Roman" pitchFamily="18" charset="0"/>
               </a:rPr>
               <a:t> . Isso significa que as múltiplas chamadas para o módulo HTTP sempre retornarão um </a:t>
             </a:r>
             <a:r>
-              <a:rPr lang="pt-BR" sz="2400" b="0" dirty="0" err="1" smtClean="0">
+              <a:rPr lang="pt-BR" sz="2600" b="0" dirty="0" err="1" smtClean="0">
                 <a:latin typeface="Times New Roman" panose="02020603050405020304" pitchFamily="18" charset="0"/>
                 <a:cs typeface="Times New Roman" pitchFamily="18" charset="0"/>
               </a:rPr>
               <a:t>Observable</a:t>
             </a:r>
             <a:r>
-              <a:rPr lang="pt-BR" sz="2400" b="0" dirty="0" smtClean="0">
+              <a:rPr lang="pt-BR" sz="2600" b="0" dirty="0" smtClean="0">
                 <a:latin typeface="Times New Roman" panose="02020603050405020304" pitchFamily="18" charset="0"/>
                 <a:cs typeface="Times New Roman" pitchFamily="18" charset="0"/>
               </a:rPr>
@@ -10883,8 +10927,8 @@
         </p:nvSpPr>
         <p:spPr>
           <a:xfrm>
-            <a:off x="395536" y="1916832"/>
-            <a:ext cx="8424936" cy="4320480"/>
+            <a:off x="251520" y="1916832"/>
+            <a:ext cx="8568952" cy="4320480"/>
           </a:xfrm>
         </p:spPr>
         <p:txBody>
@@ -10893,19 +10937,19 @@
           </a:bodyPr>
           <a:lstStyle/>
           <a:p>
-            <a:pPr marL="342900" lvl="0" indent="-342900">
+            <a:pPr marL="342900" lvl="0" indent="-342900" algn="just">
               <a:buFont typeface="Arial" panose="020B0604020202020204" pitchFamily="34" charset="0"/>
               <a:buChar char="•"/>
             </a:pPr>
             <a:r>
-              <a:rPr lang="pt-BR" sz="2400" b="0" dirty="0">
+              <a:rPr lang="pt-BR" sz="2600" b="0" dirty="0">
                 <a:latin typeface="Times New Roman" panose="02020603050405020304" pitchFamily="18" charset="0"/>
                 <a:cs typeface="Times New Roman" pitchFamily="18" charset="0"/>
               </a:rPr>
               <a:t>S</a:t>
             </a:r>
             <a:r>
-              <a:rPr lang="pt-BR" sz="2400" b="0" dirty="0" smtClean="0">
+              <a:rPr lang="pt-BR" sz="2600" b="0" dirty="0" smtClean="0">
                 <a:latin typeface="Times New Roman" panose="02020603050405020304" pitchFamily="18" charset="0"/>
                 <a:cs typeface="Times New Roman" pitchFamily="18" charset="0"/>
               </a:rPr>
@@ -10913,19 +10957,19 @@
             </a:r>
           </a:p>
           <a:p>
-            <a:pPr marL="342900" lvl="0" indent="-342900">
+            <a:pPr marL="342900" lvl="0" indent="-342900" algn="just">
               <a:buFont typeface="Arial" panose="020B0604020202020204" pitchFamily="34" charset="0"/>
               <a:buChar char="•"/>
             </a:pPr>
             <a:r>
-              <a:rPr lang="pt-BR" sz="2400" b="0" dirty="0" smtClean="0">
+              <a:rPr lang="pt-BR" sz="2600" b="0" dirty="0" smtClean="0">
                 <a:latin typeface="Times New Roman" panose="02020603050405020304" pitchFamily="18" charset="0"/>
                 <a:cs typeface="Times New Roman" pitchFamily="18" charset="0"/>
               </a:rPr>
               <a:t>Se </a:t>
             </a:r>
             <a:r>
-              <a:rPr lang="pt-BR" sz="2400" b="0" dirty="0">
+              <a:rPr lang="pt-BR" sz="2600" b="0" dirty="0">
                 <a:latin typeface="Times New Roman" panose="02020603050405020304" pitchFamily="18" charset="0"/>
                 <a:cs typeface="Times New Roman" panose="02020603050405020304" pitchFamily="18" charset="0"/>
               </a:rPr>
@@ -10933,26 +10977,26 @@
             </a:r>
           </a:p>
           <a:p>
-            <a:pPr marL="342900" lvl="0" indent="-342900">
+            <a:pPr marL="342900" lvl="0" indent="-342900" algn="just">
               <a:buFont typeface="Arial" panose="020B0604020202020204" pitchFamily="34" charset="0"/>
               <a:buChar char="•"/>
             </a:pPr>
             <a:r>
-              <a:rPr lang="pt-BR" sz="2400" b="0" dirty="0">
+              <a:rPr lang="pt-BR" sz="2600" b="0" dirty="0">
                 <a:latin typeface="Times New Roman" panose="02020603050405020304" pitchFamily="18" charset="0"/>
                 <a:cs typeface="Times New Roman" panose="02020603050405020304" pitchFamily="18" charset="0"/>
               </a:rPr>
               <a:t>Esse tipo específico de </a:t>
             </a:r>
             <a:r>
-              <a:rPr lang="pt-BR" sz="2400" b="0" dirty="0" err="1">
+              <a:rPr lang="pt-BR" sz="2600" b="0" dirty="0" err="1">
                 <a:latin typeface="Times New Roman" panose="02020603050405020304" pitchFamily="18" charset="0"/>
                 <a:cs typeface="Times New Roman" panose="02020603050405020304" pitchFamily="18" charset="0"/>
               </a:rPr>
               <a:t>Observables</a:t>
             </a:r>
             <a:r>
-              <a:rPr lang="pt-BR" sz="2400" b="0" dirty="0">
+              <a:rPr lang="pt-BR" sz="2600" b="0" dirty="0">
                 <a:latin typeface="Times New Roman" panose="02020603050405020304" pitchFamily="18" charset="0"/>
                 <a:cs typeface="Times New Roman" panose="02020603050405020304" pitchFamily="18" charset="0"/>
               </a:rPr>
@@ -10960,25 +11004,25 @@
             </a:r>
           </a:p>
           <a:p>
-            <a:pPr marL="342900" indent="-342900">
+            <a:pPr marL="342900" indent="-342900" algn="just">
               <a:buFont typeface="Arial" panose="020B0604020202020204" pitchFamily="34" charset="0"/>
               <a:buChar char="•"/>
             </a:pPr>
             <a:r>
-              <a:rPr lang="pt-BR" sz="2400" b="0" dirty="0" smtClean="0">
+              <a:rPr lang="pt-BR" sz="2600" b="0" dirty="0" smtClean="0">
                 <a:latin typeface="Times New Roman" panose="02020603050405020304" pitchFamily="18" charset="0"/>
                 <a:cs typeface="Times New Roman" panose="02020603050405020304" pitchFamily="18" charset="0"/>
               </a:rPr>
               <a:t>Esses </a:t>
             </a:r>
             <a:r>
-              <a:rPr lang="pt-BR" sz="2400" b="0" dirty="0">
+              <a:rPr lang="pt-BR" sz="2600" b="0" dirty="0">
                 <a:latin typeface="Times New Roman" panose="02020603050405020304" pitchFamily="18" charset="0"/>
                 <a:cs typeface="Times New Roman" panose="02020603050405020304" pitchFamily="18" charset="0"/>
               </a:rPr>
               <a:t>observáveis ​​emitirão um erro se a solicitação HTTP falhar, mais sobre isso mais tarde</a:t>
             </a:r>
-            <a:endParaRPr lang="pt-BR" sz="2400" b="0" dirty="0" smtClean="0">
+            <a:endParaRPr lang="pt-BR" sz="2600" b="0" dirty="0" smtClean="0">
               <a:latin typeface="Times New Roman" pitchFamily="18" charset="0"/>
               <a:cs typeface="Times New Roman" pitchFamily="18" charset="0"/>
             </a:endParaRPr>
@@ -11386,15 +11430,27 @@
           <a:p>
             <a:pPr algn="ctr"/>
             <a:r>
-              <a:rPr lang="pt-BR" sz="4800" b="1" dirty="0" err="1" smtClean="0"/>
+              <a:rPr lang="pt-BR" sz="4800" b="1" dirty="0" err="1" smtClean="0">
+                <a:solidFill>
+                  <a:schemeClr val="tx1"/>
+                </a:solidFill>
+                <a:latin typeface="Times New Roman" panose="02020603050405020304" pitchFamily="18" charset="0"/>
+                <a:cs typeface="Times New Roman" panose="02020603050405020304" pitchFamily="18" charset="0"/>
+              </a:rPr>
               <a:t>guards</a:t>
             </a:r>
             <a:r>
-              <a:rPr lang="pt-BR" sz="4800" b="1" dirty="0"/>
+              <a:rPr lang="pt-BR" sz="4800" b="1" dirty="0">
+                <a:latin typeface="Times New Roman" panose="02020603050405020304" pitchFamily="18" charset="0"/>
+                <a:cs typeface="Times New Roman" panose="02020603050405020304" pitchFamily="18" charset="0"/>
+              </a:rPr>
               <a:t/>
             </a:r>
             <a:br>
-              <a:rPr lang="pt-BR" sz="4800" b="1" dirty="0"/>
+              <a:rPr lang="pt-BR" sz="4800" b="1" dirty="0">
+                <a:latin typeface="Times New Roman" panose="02020603050405020304" pitchFamily="18" charset="0"/>
+                <a:cs typeface="Times New Roman" panose="02020603050405020304" pitchFamily="18" charset="0"/>
+              </a:rPr>
             </a:br>
             <a:r>
               <a:rPr lang="pt-BR" sz="2600" b="1" dirty="0" smtClean="0">
@@ -11423,7 +11479,17 @@
                 <a:latin typeface="Times New Roman" pitchFamily="18" charset="0"/>
                 <a:cs typeface="Times New Roman" pitchFamily="18" charset="0"/>
               </a:rPr>
-              <a:t>trabalhando com </a:t>
+              <a:t>trabalhando </a:t>
+            </a:r>
+            <a:r>
+              <a:rPr lang="pt-BR" sz="2600" dirty="0" smtClean="0">
+                <a:solidFill>
+                  <a:schemeClr val="tx1"/>
+                </a:solidFill>
+                <a:latin typeface="Times New Roman" pitchFamily="18" charset="0"/>
+                <a:cs typeface="Times New Roman" pitchFamily="18" charset="0"/>
+              </a:rPr>
+              <a:t>com </a:t>
             </a:r>
             <a:r>
               <a:rPr lang="pt-BR" sz="2600" dirty="0" err="1" smtClean="0">
@@ -11617,8 +11683,8 @@
         </p:nvSpPr>
         <p:spPr>
           <a:xfrm>
-            <a:off x="395536" y="1916832"/>
-            <a:ext cx="8077755" cy="3960440"/>
+            <a:off x="251520" y="1916832"/>
+            <a:ext cx="8352928" cy="4392488"/>
           </a:xfrm>
         </p:spPr>
         <p:txBody>
@@ -11627,29 +11693,23 @@
           </a:bodyPr>
           <a:lstStyle/>
           <a:p>
-            <a:r>
-              <a:rPr lang="pt-BR" sz="2400" b="0" dirty="0" smtClean="0">
-                <a:latin typeface="Times New Roman" panose="02020603050405020304" pitchFamily="18" charset="0"/>
-                <a:cs typeface="Times New Roman" panose="02020603050405020304" pitchFamily="18" charset="0"/>
-              </a:rPr>
-              <a:t>	</a:t>
-            </a:r>
-            <a:r>
-              <a:rPr lang="pt-BR" sz="2400" b="0" dirty="0" err="1" smtClean="0">
+            <a:pPr algn="just"/>
+            <a:r>
+              <a:rPr lang="pt-BR" sz="2600" b="0" dirty="0" err="1" smtClean="0">
                 <a:latin typeface="Times New Roman" panose="02020603050405020304" pitchFamily="18" charset="0"/>
                 <a:cs typeface="Times New Roman" panose="02020603050405020304" pitchFamily="18" charset="0"/>
               </a:rPr>
               <a:t>Guards</a:t>
             </a:r>
             <a:r>
-              <a:rPr lang="pt-BR" sz="2400" b="0" dirty="0" smtClean="0">
+              <a:rPr lang="pt-BR" sz="2600" b="0" dirty="0" smtClean="0">
                 <a:latin typeface="Times New Roman" panose="02020603050405020304" pitchFamily="18" charset="0"/>
                 <a:cs typeface="Times New Roman" panose="02020603050405020304" pitchFamily="18" charset="0"/>
               </a:rPr>
               <a:t> </a:t>
             </a:r>
             <a:r>
-              <a:rPr lang="pt-BR" sz="2400" b="0" dirty="0">
+              <a:rPr lang="pt-BR" sz="2600" b="0" dirty="0">
                 <a:latin typeface="Times New Roman" panose="02020603050405020304" pitchFamily="18" charset="0"/>
                 <a:cs typeface="Times New Roman" panose="02020603050405020304" pitchFamily="18" charset="0"/>
               </a:rPr>
@@ -11657,30 +11717,30 @@
             </a:r>
           </a:p>
           <a:p>
-            <a:pPr fontAlgn="base"/>
-            <a:r>
-              <a:rPr lang="pt-BR" sz="2400" b="0" dirty="0" smtClean="0">
-                <a:latin typeface="Times New Roman" panose="02020603050405020304" pitchFamily="18" charset="0"/>
-                <a:cs typeface="Times New Roman" panose="02020603050405020304" pitchFamily="18" charset="0"/>
-              </a:rPr>
-              <a:t>	Existem </a:t>
-            </a:r>
-            <a:r>
-              <a:rPr lang="pt-BR" sz="2400" b="0" dirty="0">
+            <a:pPr algn="just" fontAlgn="base"/>
+            <a:r>
+              <a:rPr lang="pt-BR" sz="2600" b="0" dirty="0" smtClean="0">
+                <a:latin typeface="Times New Roman" panose="02020603050405020304" pitchFamily="18" charset="0"/>
+                <a:cs typeface="Times New Roman" panose="02020603050405020304" pitchFamily="18" charset="0"/>
+              </a:rPr>
+              <a:t>Existem </a:t>
+            </a:r>
+            <a:r>
+              <a:rPr lang="pt-BR" sz="2600" b="0" dirty="0">
                 <a:latin typeface="Times New Roman" panose="02020603050405020304" pitchFamily="18" charset="0"/>
                 <a:cs typeface="Times New Roman" panose="02020603050405020304" pitchFamily="18" charset="0"/>
               </a:rPr>
               <a:t>quatro tipos diferentes de </a:t>
             </a:r>
             <a:r>
-              <a:rPr lang="pt-BR" sz="2400" b="0" dirty="0" err="1">
+              <a:rPr lang="pt-BR" sz="2600" b="0" dirty="0" err="1">
                 <a:latin typeface="Times New Roman" panose="02020603050405020304" pitchFamily="18" charset="0"/>
                 <a:cs typeface="Times New Roman" panose="02020603050405020304" pitchFamily="18" charset="0"/>
               </a:rPr>
               <a:t>Guard</a:t>
             </a:r>
             <a:r>
-              <a:rPr lang="pt-BR" sz="2400" b="0" dirty="0">
+              <a:rPr lang="pt-BR" sz="2600" b="0" dirty="0">
                 <a:latin typeface="Times New Roman" panose="02020603050405020304" pitchFamily="18" charset="0"/>
                 <a:cs typeface="Times New Roman" panose="02020603050405020304" pitchFamily="18" charset="0"/>
               </a:rPr>
@@ -11688,26 +11748,26 @@
             </a:r>
           </a:p>
           <a:p>
-            <a:pPr marL="342900" lvl="0" indent="-342900" fontAlgn="base">
+            <a:pPr marL="342900" lvl="0" indent="-342900" algn="just" fontAlgn="base">
               <a:buFont typeface="Arial" panose="020B0604020202020204" pitchFamily="34" charset="0"/>
               <a:buChar char="•"/>
             </a:pPr>
             <a:r>
-              <a:rPr lang="pt-BR" sz="2400" dirty="0" err="1">
+              <a:rPr lang="pt-BR" sz="2600" dirty="0" err="1">
                 <a:latin typeface="Times New Roman" panose="02020603050405020304" pitchFamily="18" charset="0"/>
                 <a:cs typeface="Times New Roman" panose="02020603050405020304" pitchFamily="18" charset="0"/>
               </a:rPr>
               <a:t>CanActivate</a:t>
             </a:r>
             <a:r>
-              <a:rPr lang="pt-BR" sz="2400" dirty="0">
+              <a:rPr lang="pt-BR" sz="2600" dirty="0">
                 <a:latin typeface="Times New Roman" panose="02020603050405020304" pitchFamily="18" charset="0"/>
                 <a:cs typeface="Times New Roman" panose="02020603050405020304" pitchFamily="18" charset="0"/>
               </a:rPr>
               <a:t>: </a:t>
             </a:r>
             <a:r>
-              <a:rPr lang="pt-BR" sz="2400" b="0" dirty="0">
+              <a:rPr lang="pt-BR" sz="2600" b="0" dirty="0">
                 <a:latin typeface="Times New Roman" panose="02020603050405020304" pitchFamily="18" charset="0"/>
                 <a:cs typeface="Times New Roman" panose="02020603050405020304" pitchFamily="18" charset="0"/>
               </a:rPr>
@@ -11715,26 +11775,26 @@
             </a:r>
           </a:p>
           <a:p>
-            <a:pPr marL="342900" lvl="0" indent="-342900" fontAlgn="base">
+            <a:pPr marL="342900" lvl="0" indent="-342900" algn="just" fontAlgn="base">
               <a:buFont typeface="Arial" panose="020B0604020202020204" pitchFamily="34" charset="0"/>
               <a:buChar char="•"/>
             </a:pPr>
             <a:r>
-              <a:rPr lang="pt-BR" sz="2400" dirty="0" err="1">
+              <a:rPr lang="pt-BR" sz="2600" dirty="0" err="1">
                 <a:latin typeface="Times New Roman" panose="02020603050405020304" pitchFamily="18" charset="0"/>
                 <a:cs typeface="Times New Roman" panose="02020603050405020304" pitchFamily="18" charset="0"/>
               </a:rPr>
               <a:t>CanActivateChild</a:t>
             </a:r>
             <a:r>
-              <a:rPr lang="pt-BR" sz="2400" dirty="0">
+              <a:rPr lang="pt-BR" sz="2600" dirty="0">
                 <a:latin typeface="Times New Roman" panose="02020603050405020304" pitchFamily="18" charset="0"/>
                 <a:cs typeface="Times New Roman" panose="02020603050405020304" pitchFamily="18" charset="0"/>
               </a:rPr>
               <a:t>: </a:t>
             </a:r>
             <a:r>
-              <a:rPr lang="pt-BR" sz="2400" b="0" dirty="0">
+              <a:rPr lang="pt-BR" sz="2600" b="0" dirty="0">
                 <a:latin typeface="Times New Roman" panose="02020603050405020304" pitchFamily="18" charset="0"/>
                 <a:cs typeface="Times New Roman" panose="02020603050405020304" pitchFamily="18" charset="0"/>
               </a:rPr>
@@ -11742,26 +11802,26 @@
             </a:r>
           </a:p>
           <a:p>
-            <a:pPr marL="342900" lvl="0" indent="-342900" fontAlgn="base">
+            <a:pPr marL="342900" lvl="0" indent="-342900" algn="just" fontAlgn="base">
               <a:buFont typeface="Arial" panose="020B0604020202020204" pitchFamily="34" charset="0"/>
               <a:buChar char="•"/>
             </a:pPr>
             <a:r>
-              <a:rPr lang="pt-BR" sz="2400" dirty="0" err="1">
+              <a:rPr lang="pt-BR" sz="2600" dirty="0" err="1">
                 <a:latin typeface="Times New Roman" panose="02020603050405020304" pitchFamily="18" charset="0"/>
                 <a:cs typeface="Times New Roman" panose="02020603050405020304" pitchFamily="18" charset="0"/>
               </a:rPr>
               <a:t>CanDeactivate</a:t>
             </a:r>
             <a:r>
-              <a:rPr lang="pt-BR" sz="2400" dirty="0">
+              <a:rPr lang="pt-BR" sz="2600" dirty="0">
                 <a:latin typeface="Times New Roman" panose="02020603050405020304" pitchFamily="18" charset="0"/>
                 <a:cs typeface="Times New Roman" panose="02020603050405020304" pitchFamily="18" charset="0"/>
               </a:rPr>
               <a:t>: </a:t>
             </a:r>
             <a:r>
-              <a:rPr lang="pt-BR" sz="2400" b="0" dirty="0">
+              <a:rPr lang="pt-BR" sz="2600" b="0" dirty="0">
                 <a:latin typeface="Times New Roman" panose="02020603050405020304" pitchFamily="18" charset="0"/>
                 <a:cs typeface="Times New Roman" panose="02020603050405020304" pitchFamily="18" charset="0"/>
               </a:rPr>
@@ -11769,53 +11829,53 @@
             </a:r>
           </a:p>
           <a:p>
-            <a:pPr marL="342900" lvl="0" indent="-342900" fontAlgn="base">
+            <a:pPr marL="342900" lvl="0" indent="-342900" algn="just" fontAlgn="base">
               <a:buFont typeface="Arial" panose="020B0604020202020204" pitchFamily="34" charset="0"/>
               <a:buChar char="•"/>
             </a:pPr>
             <a:r>
-              <a:rPr lang="pt-BR" sz="2400" dirty="0" err="1">
+              <a:rPr lang="pt-BR" sz="2600" dirty="0" err="1">
                 <a:latin typeface="Times New Roman" panose="02020603050405020304" pitchFamily="18" charset="0"/>
                 <a:cs typeface="Times New Roman" panose="02020603050405020304" pitchFamily="18" charset="0"/>
               </a:rPr>
               <a:t>CanLoad</a:t>
             </a:r>
             <a:r>
-              <a:rPr lang="pt-BR" sz="2400" dirty="0">
+              <a:rPr lang="pt-BR" sz="2600" dirty="0">
                 <a:latin typeface="Times New Roman" panose="02020603050405020304" pitchFamily="18" charset="0"/>
                 <a:cs typeface="Times New Roman" panose="02020603050405020304" pitchFamily="18" charset="0"/>
               </a:rPr>
               <a:t>:</a:t>
             </a:r>
             <a:r>
-              <a:rPr lang="pt-BR" sz="2400" b="0" dirty="0">
+              <a:rPr lang="pt-BR" sz="2600" b="0" dirty="0">
                 <a:latin typeface="Times New Roman" panose="02020603050405020304" pitchFamily="18" charset="0"/>
                 <a:cs typeface="Times New Roman" panose="02020603050405020304" pitchFamily="18" charset="0"/>
               </a:rPr>
               <a:t> válida se um módulo está utilizando o </a:t>
             </a:r>
             <a:r>
-              <a:rPr lang="pt-BR" sz="2400" b="0" dirty="0" err="1">
+              <a:rPr lang="pt-BR" sz="2600" b="0" dirty="0" err="1">
                 <a:latin typeface="Times New Roman" panose="02020603050405020304" pitchFamily="18" charset="0"/>
                 <a:cs typeface="Times New Roman" panose="02020603050405020304" pitchFamily="18" charset="0"/>
               </a:rPr>
               <a:t>lazily</a:t>
             </a:r>
             <a:r>
-              <a:rPr lang="pt-BR" sz="2400" b="0" dirty="0">
+              <a:rPr lang="pt-BR" sz="2600" b="0" dirty="0">
                 <a:latin typeface="Times New Roman" panose="02020603050405020304" pitchFamily="18" charset="0"/>
                 <a:cs typeface="Times New Roman" panose="02020603050405020304" pitchFamily="18" charset="0"/>
               </a:rPr>
               <a:t> </a:t>
             </a:r>
             <a:r>
-              <a:rPr lang="pt-BR" sz="2400" b="0" dirty="0" err="1">
+              <a:rPr lang="pt-BR" sz="2600" b="0" dirty="0" err="1">
                 <a:latin typeface="Times New Roman" panose="02020603050405020304" pitchFamily="18" charset="0"/>
                 <a:cs typeface="Times New Roman" panose="02020603050405020304" pitchFamily="18" charset="0"/>
               </a:rPr>
               <a:t>loading</a:t>
             </a:r>
-            <a:endParaRPr lang="pt-BR" sz="2400" b="0" dirty="0">
+            <a:endParaRPr lang="pt-BR" sz="2600" b="0" dirty="0">
               <a:latin typeface="Times New Roman" panose="02020603050405020304" pitchFamily="18" charset="0"/>
               <a:cs typeface="Times New Roman" panose="02020603050405020304" pitchFamily="18" charset="0"/>
             </a:endParaRPr>
@@ -11927,8 +11987,8 @@
         </p:blipFill>
         <p:spPr bwMode="auto">
           <a:xfrm>
-            <a:off x="7380312" y="2564904"/>
-            <a:ext cx="1486953" cy="2166304"/>
+            <a:off x="7548609" y="2780928"/>
+            <a:ext cx="1415879" cy="2062758"/>
           </a:xfrm>
           <a:prstGeom prst="rect">
             <a:avLst/>
